--- a/A P I.pptx
+++ b/A P I.pptx
@@ -21,6 +21,7 @@
     <p:sldId id="269" r:id="rId33"/>
     <p:sldId id="270" r:id="rId34"/>
     <p:sldId id="271" r:id="rId35"/>
+    <p:sldId id="272" r:id="rId36"/>
   </p:sldIdLst>
   <p:sldSz cx="18288000" cy="10287000"/>
   <p:notesSz cx="6858000" cy="9144000"/>
@@ -5278,6 +5279,2110 @@
     <p:bg>
       <p:bgPr>
         <a:solidFill>
+          <a:srgbClr val="B1EF42"/>
+        </a:solidFill>
+      </p:bgPr>
+    </p:bg>
+    <p:spTree>
+      <p:nvGrpSpPr>
+        <p:cNvPr id="1" name=""/>
+        <p:cNvGrpSpPr/>
+        <p:nvPr/>
+      </p:nvGrpSpPr>
+      <p:grpSpPr>
+        <a:xfrm>
+          <a:off x="0" y="0"/>
+          <a:ext cx="0" cy="0"/>
+          <a:chOff x="0" y="0"/>
+          <a:chExt cx="0" cy="0"/>
+        </a:xfrm>
+      </p:grpSpPr>
+      <p:grpSp>
+        <p:nvGrpSpPr>
+          <p:cNvPr name="Group 2" id="2"/>
+          <p:cNvGrpSpPr/>
+          <p:nvPr/>
+        </p:nvGrpSpPr>
+        <p:grpSpPr>
+          <a:xfrm rot="0">
+            <a:off x="-3207544" y="-1393571"/>
+            <a:ext cx="24703087" cy="12398368"/>
+            <a:chOff x="0" y="0"/>
+            <a:chExt cx="32937450" cy="16531157"/>
+          </a:xfrm>
+        </p:grpSpPr>
+        <p:sp>
+          <p:nvSpPr>
+            <p:cNvPr name="Freeform 3" id="3"/>
+            <p:cNvSpPr/>
+            <p:nvPr/>
+          </p:nvSpPr>
+          <p:spPr>
+            <a:xfrm flipH="false" flipV="false" rot="0">
+              <a:off x="0" y="0"/>
+              <a:ext cx="16531157" cy="16531157"/>
+            </a:xfrm>
+            <a:custGeom>
+              <a:avLst/>
+              <a:gdLst/>
+              <a:ahLst/>
+              <a:cxnLst/>
+              <a:rect r="r" b="b" t="t" l="l"/>
+              <a:pathLst>
+                <a:path h="16531157" w="16531157">
+                  <a:moveTo>
+                    <a:pt x="0" y="0"/>
+                  </a:moveTo>
+                  <a:lnTo>
+                    <a:pt x="16531157" y="0"/>
+                  </a:lnTo>
+                  <a:lnTo>
+                    <a:pt x="16531157" y="16531157"/>
+                  </a:lnTo>
+                  <a:lnTo>
+                    <a:pt x="0" y="16531157"/>
+                  </a:lnTo>
+                  <a:lnTo>
+                    <a:pt x="0" y="0"/>
+                  </a:lnTo>
+                  <a:close/>
+                </a:path>
+              </a:pathLst>
+            </a:custGeom>
+            <a:blipFill>
+              <a:blip r:embed="rId2">
+                <a:alphaModFix amt="39000"/>
+                <a:extLst>
+                  <a:ext uri="{96DAC541-7B7A-43D3-8B79-37D633B846F1}">
+                    <asvg:svgBlip xmlns:asvg="http://schemas.microsoft.com/office/drawing/2016/SVG/main" r:embed="rId3"/>
+                  </a:ext>
+                </a:extLst>
+              </a:blip>
+              <a:stretch>
+                <a:fillRect l="0" t="0" r="0" b="0"/>
+              </a:stretch>
+            </a:blipFill>
+          </p:spPr>
+        </p:sp>
+        <p:sp>
+          <p:nvSpPr>
+            <p:cNvPr name="Freeform 4" id="4"/>
+            <p:cNvSpPr/>
+            <p:nvPr/>
+          </p:nvSpPr>
+          <p:spPr>
+            <a:xfrm flipH="false" flipV="false" rot="0">
+              <a:off x="16531157" y="0"/>
+              <a:ext cx="16406292" cy="16531157"/>
+            </a:xfrm>
+            <a:custGeom>
+              <a:avLst/>
+              <a:gdLst/>
+              <a:ahLst/>
+              <a:cxnLst/>
+              <a:rect r="r" b="b" t="t" l="l"/>
+              <a:pathLst>
+                <a:path h="16531157" w="16406292">
+                  <a:moveTo>
+                    <a:pt x="0" y="0"/>
+                  </a:moveTo>
+                  <a:lnTo>
+                    <a:pt x="16406293" y="0"/>
+                  </a:lnTo>
+                  <a:lnTo>
+                    <a:pt x="16406293" y="16531157"/>
+                  </a:lnTo>
+                  <a:lnTo>
+                    <a:pt x="0" y="16531157"/>
+                  </a:lnTo>
+                  <a:lnTo>
+                    <a:pt x="0" y="0"/>
+                  </a:lnTo>
+                  <a:close/>
+                </a:path>
+              </a:pathLst>
+            </a:custGeom>
+            <a:blipFill>
+              <a:blip r:embed="rId2">
+                <a:alphaModFix amt="39000"/>
+                <a:extLst>
+                  <a:ext uri="{96DAC541-7B7A-43D3-8B79-37D633B846F1}">
+                    <asvg:svgBlip xmlns:asvg="http://schemas.microsoft.com/office/drawing/2016/SVG/main" r:embed="rId3"/>
+                  </a:ext>
+                </a:extLst>
+              </a:blip>
+              <a:stretch>
+                <a:fillRect l="-761" t="0" r="0" b="0"/>
+              </a:stretch>
+            </a:blipFill>
+          </p:spPr>
+        </p:sp>
+      </p:grpSp>
+      <p:sp>
+        <p:nvSpPr>
+          <p:cNvPr name="Freeform 5" id="5"/>
+          <p:cNvSpPr/>
+          <p:nvPr/>
+        </p:nvSpPr>
+        <p:spPr>
+          <a:xfrm flipH="false" flipV="false" rot="0">
+            <a:off x="-794204" y="7813288"/>
+            <a:ext cx="3645807" cy="1995251"/>
+          </a:xfrm>
+          <a:custGeom>
+            <a:avLst/>
+            <a:gdLst/>
+            <a:ahLst/>
+            <a:cxnLst/>
+            <a:rect r="r" b="b" t="t" l="l"/>
+            <a:pathLst>
+              <a:path h="1995251" w="3645807">
+                <a:moveTo>
+                  <a:pt x="0" y="0"/>
+                </a:moveTo>
+                <a:lnTo>
+                  <a:pt x="3645808" y="0"/>
+                </a:lnTo>
+                <a:lnTo>
+                  <a:pt x="3645808" y="1995251"/>
+                </a:lnTo>
+                <a:lnTo>
+                  <a:pt x="0" y="1995251"/>
+                </a:lnTo>
+                <a:lnTo>
+                  <a:pt x="0" y="0"/>
+                </a:lnTo>
+                <a:close/>
+              </a:path>
+            </a:pathLst>
+          </a:custGeom>
+          <a:blipFill>
+            <a:blip r:embed="rId4">
+              <a:extLst>
+                <a:ext uri="{96DAC541-7B7A-43D3-8B79-37D633B846F1}">
+                  <asvg:svgBlip xmlns:asvg="http://schemas.microsoft.com/office/drawing/2016/SVG/main" r:embed="rId5"/>
+                </a:ext>
+              </a:extLst>
+            </a:blip>
+            <a:stretch>
+              <a:fillRect l="0" t="0" r="0" b="0"/>
+            </a:stretch>
+          </a:blipFill>
+        </p:spPr>
+      </p:sp>
+      <p:grpSp>
+        <p:nvGrpSpPr>
+          <p:cNvPr name="Group 6" id="6"/>
+          <p:cNvGrpSpPr/>
+          <p:nvPr/>
+        </p:nvGrpSpPr>
+        <p:grpSpPr>
+          <a:xfrm rot="0">
+            <a:off x="-1104337" y="-1236076"/>
+            <a:ext cx="3086100" cy="3086100"/>
+            <a:chOff x="0" y="0"/>
+            <a:chExt cx="812800" cy="812800"/>
+          </a:xfrm>
+        </p:grpSpPr>
+        <p:sp>
+          <p:nvSpPr>
+            <p:cNvPr name="Freeform 7" id="7"/>
+            <p:cNvSpPr/>
+            <p:nvPr/>
+          </p:nvSpPr>
+          <p:spPr>
+            <a:xfrm flipH="false" flipV="false" rot="0">
+              <a:off x="1813" y="0"/>
+              <a:ext cx="809173" cy="812800"/>
+            </a:xfrm>
+            <a:custGeom>
+              <a:avLst/>
+              <a:gdLst/>
+              <a:ahLst/>
+              <a:cxnLst/>
+              <a:rect r="r" b="b" t="t" l="l"/>
+              <a:pathLst>
+                <a:path h="812800" w="809173">
+                  <a:moveTo>
+                    <a:pt x="404587" y="0"/>
+                  </a:moveTo>
+                  <a:cubicBezTo>
+                    <a:pt x="628326" y="1001"/>
+                    <a:pt x="809174" y="182659"/>
+                    <a:pt x="809174" y="406400"/>
+                  </a:cubicBezTo>
+                  <a:cubicBezTo>
+                    <a:pt x="809174" y="630141"/>
+                    <a:pt x="628326" y="811799"/>
+                    <a:pt x="404587" y="812800"/>
+                  </a:cubicBezTo>
+                  <a:cubicBezTo>
+                    <a:pt x="180848" y="811799"/>
+                    <a:pt x="0" y="630141"/>
+                    <a:pt x="0" y="406400"/>
+                  </a:cubicBezTo>
+                  <a:cubicBezTo>
+                    <a:pt x="0" y="182659"/>
+                    <a:pt x="180848" y="1001"/>
+                    <a:pt x="404587" y="0"/>
+                  </a:cubicBezTo>
+                  <a:close/>
+                </a:path>
+              </a:pathLst>
+            </a:custGeom>
+            <a:solidFill>
+              <a:srgbClr val="F58235"/>
+            </a:solidFill>
+            <a:ln w="66675">
+              <a:solidFill>
+                <a:srgbClr val="242425"/>
+              </a:solidFill>
+            </a:ln>
+          </p:spPr>
+        </p:sp>
+        <p:sp>
+          <p:nvSpPr>
+            <p:cNvPr name="TextBox 8" id="8"/>
+            <p:cNvSpPr txBox="true"/>
+            <p:nvPr/>
+          </p:nvSpPr>
+          <p:spPr>
+            <a:xfrm>
+              <a:off x="76200" y="38100"/>
+              <a:ext cx="660400" cy="698500"/>
+            </a:xfrm>
+            <a:prstGeom prst="rect">
+              <a:avLst/>
+            </a:prstGeom>
+          </p:spPr>
+          <p:txBody>
+            <a:bodyPr anchor="ctr" rtlCol="false" tIns="50800" lIns="50800" bIns="50800" rIns="50800"/>
+            <a:lstStyle/>
+            <a:p>
+              <a:pPr algn="ctr">
+                <a:lnSpc>
+                  <a:spcPts val="2659"/>
+                </a:lnSpc>
+              </a:pPr>
+            </a:p>
+          </p:txBody>
+        </p:sp>
+      </p:grpSp>
+      <p:sp>
+        <p:nvSpPr>
+          <p:cNvPr name="Freeform 9" id="9"/>
+          <p:cNvSpPr/>
+          <p:nvPr/>
+        </p:nvSpPr>
+        <p:spPr>
+          <a:xfrm flipH="false" flipV="false" rot="0">
+            <a:off x="212239" y="99622"/>
+            <a:ext cx="2487551" cy="2487551"/>
+          </a:xfrm>
+          <a:custGeom>
+            <a:avLst/>
+            <a:gdLst/>
+            <a:ahLst/>
+            <a:cxnLst/>
+            <a:rect r="r" b="b" t="t" l="l"/>
+            <a:pathLst>
+              <a:path h="2487551" w="2487551">
+                <a:moveTo>
+                  <a:pt x="0" y="0"/>
+                </a:moveTo>
+                <a:lnTo>
+                  <a:pt x="2487551" y="0"/>
+                </a:lnTo>
+                <a:lnTo>
+                  <a:pt x="2487551" y="2487552"/>
+                </a:lnTo>
+                <a:lnTo>
+                  <a:pt x="0" y="2487552"/>
+                </a:lnTo>
+                <a:lnTo>
+                  <a:pt x="0" y="0"/>
+                </a:lnTo>
+                <a:close/>
+              </a:path>
+            </a:pathLst>
+          </a:custGeom>
+          <a:blipFill>
+            <a:blip r:embed="rId6">
+              <a:extLst>
+                <a:ext uri="{96DAC541-7B7A-43D3-8B79-37D633B846F1}">
+                  <asvg:svgBlip xmlns:asvg="http://schemas.microsoft.com/office/drawing/2016/SVG/main" r:embed="rId7"/>
+                </a:ext>
+              </a:extLst>
+            </a:blip>
+            <a:stretch>
+              <a:fillRect l="0" t="0" r="0" b="0"/>
+            </a:stretch>
+          </a:blipFill>
+        </p:spPr>
+      </p:sp>
+      <p:grpSp>
+        <p:nvGrpSpPr>
+          <p:cNvPr name="Group 10" id="10"/>
+          <p:cNvGrpSpPr/>
+          <p:nvPr/>
+        </p:nvGrpSpPr>
+        <p:grpSpPr>
+          <a:xfrm rot="0">
+            <a:off x="1417515" y="1754060"/>
+            <a:ext cx="9671376" cy="7235427"/>
+            <a:chOff x="0" y="0"/>
+            <a:chExt cx="2547194" cy="1905627"/>
+          </a:xfrm>
+        </p:grpSpPr>
+        <p:sp>
+          <p:nvSpPr>
+            <p:cNvPr name="Freeform 11" id="11"/>
+            <p:cNvSpPr/>
+            <p:nvPr/>
+          </p:nvSpPr>
+          <p:spPr>
+            <a:xfrm flipH="false" flipV="false" rot="0">
+              <a:off x="0" y="0"/>
+              <a:ext cx="2547194" cy="1905627"/>
+            </a:xfrm>
+            <a:custGeom>
+              <a:avLst/>
+              <a:gdLst/>
+              <a:ahLst/>
+              <a:cxnLst/>
+              <a:rect r="r" b="b" t="t" l="l"/>
+              <a:pathLst>
+                <a:path h="1905627" w="2547194">
+                  <a:moveTo>
+                    <a:pt x="0" y="0"/>
+                  </a:moveTo>
+                  <a:lnTo>
+                    <a:pt x="2547194" y="0"/>
+                  </a:lnTo>
+                  <a:lnTo>
+                    <a:pt x="2547194" y="1905627"/>
+                  </a:lnTo>
+                  <a:lnTo>
+                    <a:pt x="0" y="1905627"/>
+                  </a:lnTo>
+                  <a:close/>
+                </a:path>
+              </a:pathLst>
+            </a:custGeom>
+            <a:solidFill>
+              <a:srgbClr val="FFFFFF"/>
+            </a:solidFill>
+            <a:ln w="76200">
+              <a:solidFill>
+                <a:srgbClr val="242425"/>
+              </a:solidFill>
+            </a:ln>
+          </p:spPr>
+        </p:sp>
+        <p:sp>
+          <p:nvSpPr>
+            <p:cNvPr name="TextBox 12" id="12"/>
+            <p:cNvSpPr txBox="true"/>
+            <p:nvPr/>
+          </p:nvSpPr>
+          <p:spPr>
+            <a:xfrm>
+              <a:off x="0" y="-38100"/>
+              <a:ext cx="812800" cy="850900"/>
+            </a:xfrm>
+            <a:prstGeom prst="rect">
+              <a:avLst/>
+            </a:prstGeom>
+          </p:spPr>
+          <p:txBody>
+            <a:bodyPr anchor="ctr" rtlCol="false" tIns="50800" lIns="50800" bIns="50800" rIns="50800"/>
+            <a:lstStyle/>
+            <a:p>
+              <a:pPr algn="ctr">
+                <a:lnSpc>
+                  <a:spcPts val="2659"/>
+                </a:lnSpc>
+                <a:spcBef>
+                  <a:spcPct val="0"/>
+                </a:spcBef>
+              </a:pPr>
+            </a:p>
+          </p:txBody>
+        </p:sp>
+      </p:grpSp>
+      <p:grpSp>
+        <p:nvGrpSpPr>
+          <p:cNvPr name="Group 13" id="13"/>
+          <p:cNvGrpSpPr/>
+          <p:nvPr/>
+        </p:nvGrpSpPr>
+        <p:grpSpPr>
+          <a:xfrm rot="0">
+            <a:off x="1417515" y="1343398"/>
+            <a:ext cx="9671376" cy="821324"/>
+            <a:chOff x="0" y="0"/>
+            <a:chExt cx="2547194" cy="216316"/>
+          </a:xfrm>
+        </p:grpSpPr>
+        <p:sp>
+          <p:nvSpPr>
+            <p:cNvPr name="Freeform 14" id="14"/>
+            <p:cNvSpPr/>
+            <p:nvPr/>
+          </p:nvSpPr>
+          <p:spPr>
+            <a:xfrm flipH="false" flipV="false" rot="0">
+              <a:off x="0" y="0"/>
+              <a:ext cx="2547194" cy="216316"/>
+            </a:xfrm>
+            <a:custGeom>
+              <a:avLst/>
+              <a:gdLst/>
+              <a:ahLst/>
+              <a:cxnLst/>
+              <a:rect r="r" b="b" t="t" l="l"/>
+              <a:pathLst>
+                <a:path h="216316" w="2547194">
+                  <a:moveTo>
+                    <a:pt x="0" y="0"/>
+                  </a:moveTo>
+                  <a:lnTo>
+                    <a:pt x="2547194" y="0"/>
+                  </a:lnTo>
+                  <a:lnTo>
+                    <a:pt x="2547194" y="216316"/>
+                  </a:lnTo>
+                  <a:lnTo>
+                    <a:pt x="0" y="216316"/>
+                  </a:lnTo>
+                  <a:close/>
+                </a:path>
+              </a:pathLst>
+            </a:custGeom>
+            <a:solidFill>
+              <a:srgbClr val="B289F8"/>
+            </a:solidFill>
+            <a:ln w="76200">
+              <a:solidFill>
+                <a:srgbClr val="242425"/>
+              </a:solidFill>
+            </a:ln>
+          </p:spPr>
+        </p:sp>
+        <p:sp>
+          <p:nvSpPr>
+            <p:cNvPr name="TextBox 15" id="15"/>
+            <p:cNvSpPr txBox="true"/>
+            <p:nvPr/>
+          </p:nvSpPr>
+          <p:spPr>
+            <a:xfrm>
+              <a:off x="0" y="-38100"/>
+              <a:ext cx="812800" cy="850900"/>
+            </a:xfrm>
+            <a:prstGeom prst="rect">
+              <a:avLst/>
+            </a:prstGeom>
+          </p:spPr>
+          <p:txBody>
+            <a:bodyPr anchor="ctr" rtlCol="false" tIns="50800" lIns="50800" bIns="50800" rIns="50800"/>
+            <a:lstStyle/>
+            <a:p>
+              <a:pPr algn="ctr">
+                <a:lnSpc>
+                  <a:spcPts val="2659"/>
+                </a:lnSpc>
+                <a:spcBef>
+                  <a:spcPct val="0"/>
+                </a:spcBef>
+              </a:pPr>
+            </a:p>
+          </p:txBody>
+        </p:sp>
+      </p:grpSp>
+      <p:grpSp>
+        <p:nvGrpSpPr>
+          <p:cNvPr name="Group 16" id="16"/>
+          <p:cNvGrpSpPr/>
+          <p:nvPr/>
+        </p:nvGrpSpPr>
+        <p:grpSpPr>
+          <a:xfrm rot="0">
+            <a:off x="10293547" y="1472529"/>
+            <a:ext cx="609056" cy="563062"/>
+            <a:chOff x="0" y="0"/>
+            <a:chExt cx="160410" cy="148296"/>
+          </a:xfrm>
+        </p:grpSpPr>
+        <p:sp>
+          <p:nvSpPr>
+            <p:cNvPr name="Freeform 17" id="17"/>
+            <p:cNvSpPr/>
+            <p:nvPr/>
+          </p:nvSpPr>
+          <p:spPr>
+            <a:xfrm flipH="false" flipV="false" rot="0">
+              <a:off x="0" y="0"/>
+              <a:ext cx="160410" cy="148296"/>
+            </a:xfrm>
+            <a:custGeom>
+              <a:avLst/>
+              <a:gdLst/>
+              <a:ahLst/>
+              <a:cxnLst/>
+              <a:rect r="r" b="b" t="t" l="l"/>
+              <a:pathLst>
+                <a:path h="148296" w="160410">
+                  <a:moveTo>
+                    <a:pt x="0" y="0"/>
+                  </a:moveTo>
+                  <a:lnTo>
+                    <a:pt x="160410" y="0"/>
+                  </a:lnTo>
+                  <a:lnTo>
+                    <a:pt x="160410" y="148296"/>
+                  </a:lnTo>
+                  <a:lnTo>
+                    <a:pt x="0" y="148296"/>
+                  </a:lnTo>
+                  <a:close/>
+                </a:path>
+              </a:pathLst>
+            </a:custGeom>
+            <a:solidFill>
+              <a:srgbClr val="FFFFFF"/>
+            </a:solidFill>
+            <a:ln w="76200">
+              <a:solidFill>
+                <a:srgbClr val="242425"/>
+              </a:solidFill>
+            </a:ln>
+          </p:spPr>
+        </p:sp>
+        <p:sp>
+          <p:nvSpPr>
+            <p:cNvPr name="TextBox 18" id="18"/>
+            <p:cNvSpPr txBox="true"/>
+            <p:nvPr/>
+          </p:nvSpPr>
+          <p:spPr>
+            <a:xfrm>
+              <a:off x="0" y="-38100"/>
+              <a:ext cx="812800" cy="850900"/>
+            </a:xfrm>
+            <a:prstGeom prst="rect">
+              <a:avLst/>
+            </a:prstGeom>
+          </p:spPr>
+          <p:txBody>
+            <a:bodyPr anchor="ctr" rtlCol="false" tIns="50800" lIns="50800" bIns="50800" rIns="50800"/>
+            <a:lstStyle/>
+            <a:p>
+              <a:pPr algn="ctr">
+                <a:lnSpc>
+                  <a:spcPts val="2659"/>
+                </a:lnSpc>
+                <a:spcBef>
+                  <a:spcPct val="0"/>
+                </a:spcBef>
+              </a:pPr>
+            </a:p>
+          </p:txBody>
+        </p:sp>
+      </p:grpSp>
+      <p:sp>
+        <p:nvSpPr>
+          <p:cNvPr name="Freeform 19" id="19"/>
+          <p:cNvSpPr/>
+          <p:nvPr/>
+        </p:nvSpPr>
+        <p:spPr>
+          <a:xfrm flipH="false" flipV="false" rot="0">
+            <a:off x="10437940" y="1599165"/>
+            <a:ext cx="320271" cy="309790"/>
+          </a:xfrm>
+          <a:custGeom>
+            <a:avLst/>
+            <a:gdLst/>
+            <a:ahLst/>
+            <a:cxnLst/>
+            <a:rect r="r" b="b" t="t" l="l"/>
+            <a:pathLst>
+              <a:path h="309790" w="320271">
+                <a:moveTo>
+                  <a:pt x="0" y="0"/>
+                </a:moveTo>
+                <a:lnTo>
+                  <a:pt x="320271" y="0"/>
+                </a:lnTo>
+                <a:lnTo>
+                  <a:pt x="320271" y="309790"/>
+                </a:lnTo>
+                <a:lnTo>
+                  <a:pt x="0" y="309790"/>
+                </a:lnTo>
+                <a:lnTo>
+                  <a:pt x="0" y="0"/>
+                </a:lnTo>
+                <a:close/>
+              </a:path>
+            </a:pathLst>
+          </a:custGeom>
+          <a:blipFill>
+            <a:blip r:embed="rId8">
+              <a:extLst>
+                <a:ext uri="{96DAC541-7B7A-43D3-8B79-37D633B846F1}">
+                  <asvg:svgBlip xmlns:asvg="http://schemas.microsoft.com/office/drawing/2016/SVG/main" r:embed="rId9"/>
+                </a:ext>
+              </a:extLst>
+            </a:blip>
+            <a:stretch>
+              <a:fillRect l="0" t="0" r="0" b="0"/>
+            </a:stretch>
+          </a:blipFill>
+        </p:spPr>
+      </p:sp>
+      <p:grpSp>
+        <p:nvGrpSpPr>
+          <p:cNvPr name="Group 20" id="20"/>
+          <p:cNvGrpSpPr/>
+          <p:nvPr/>
+        </p:nvGrpSpPr>
+        <p:grpSpPr>
+          <a:xfrm rot="0">
+            <a:off x="1844830" y="1819302"/>
+            <a:ext cx="258110" cy="57864"/>
+            <a:chOff x="0" y="0"/>
+            <a:chExt cx="67979" cy="15240"/>
+          </a:xfrm>
+        </p:grpSpPr>
+        <p:sp>
+          <p:nvSpPr>
+            <p:cNvPr name="Freeform 21" id="21"/>
+            <p:cNvSpPr/>
+            <p:nvPr/>
+          </p:nvSpPr>
+          <p:spPr>
+            <a:xfrm flipH="false" flipV="false" rot="0">
+              <a:off x="0" y="0"/>
+              <a:ext cx="67979" cy="15240"/>
+            </a:xfrm>
+            <a:custGeom>
+              <a:avLst/>
+              <a:gdLst/>
+              <a:ahLst/>
+              <a:cxnLst/>
+              <a:rect r="r" b="b" t="t" l="l"/>
+              <a:pathLst>
+                <a:path h="15240" w="67979">
+                  <a:moveTo>
+                    <a:pt x="7620" y="0"/>
+                  </a:moveTo>
+                  <a:lnTo>
+                    <a:pt x="60360" y="0"/>
+                  </a:lnTo>
+                  <a:cubicBezTo>
+                    <a:pt x="64568" y="0"/>
+                    <a:pt x="67979" y="3412"/>
+                    <a:pt x="67979" y="7620"/>
+                  </a:cubicBezTo>
+                  <a:lnTo>
+                    <a:pt x="67979" y="7620"/>
+                  </a:lnTo>
+                  <a:cubicBezTo>
+                    <a:pt x="67979" y="11828"/>
+                    <a:pt x="64568" y="15240"/>
+                    <a:pt x="60360" y="15240"/>
+                  </a:cubicBezTo>
+                  <a:lnTo>
+                    <a:pt x="7620" y="15240"/>
+                  </a:lnTo>
+                  <a:cubicBezTo>
+                    <a:pt x="3412" y="15240"/>
+                    <a:pt x="0" y="11828"/>
+                    <a:pt x="0" y="7620"/>
+                  </a:cubicBezTo>
+                  <a:lnTo>
+                    <a:pt x="0" y="7620"/>
+                  </a:lnTo>
+                  <a:cubicBezTo>
+                    <a:pt x="0" y="3412"/>
+                    <a:pt x="3412" y="0"/>
+                    <a:pt x="7620" y="0"/>
+                  </a:cubicBezTo>
+                  <a:close/>
+                </a:path>
+              </a:pathLst>
+            </a:custGeom>
+            <a:solidFill>
+              <a:srgbClr val="242425"/>
+            </a:solidFill>
+          </p:spPr>
+        </p:sp>
+        <p:sp>
+          <p:nvSpPr>
+            <p:cNvPr name="TextBox 22" id="22"/>
+            <p:cNvSpPr txBox="true"/>
+            <p:nvPr/>
+          </p:nvSpPr>
+          <p:spPr>
+            <a:xfrm>
+              <a:off x="0" y="-38100"/>
+              <a:ext cx="812800" cy="850900"/>
+            </a:xfrm>
+            <a:prstGeom prst="rect">
+              <a:avLst/>
+            </a:prstGeom>
+          </p:spPr>
+          <p:txBody>
+            <a:bodyPr anchor="ctr" rtlCol="false" tIns="50800" lIns="50800" bIns="50800" rIns="50800"/>
+            <a:lstStyle/>
+            <a:p>
+              <a:pPr algn="ctr">
+                <a:lnSpc>
+                  <a:spcPts val="2659"/>
+                </a:lnSpc>
+              </a:pPr>
+            </a:p>
+          </p:txBody>
+        </p:sp>
+      </p:grpSp>
+      <p:grpSp>
+        <p:nvGrpSpPr>
+          <p:cNvPr name="Group 23" id="23"/>
+          <p:cNvGrpSpPr/>
+          <p:nvPr/>
+        </p:nvGrpSpPr>
+        <p:grpSpPr>
+          <a:xfrm rot="0">
+            <a:off x="1844830" y="1725128"/>
+            <a:ext cx="258110" cy="57864"/>
+            <a:chOff x="0" y="0"/>
+            <a:chExt cx="67979" cy="15240"/>
+          </a:xfrm>
+        </p:grpSpPr>
+        <p:sp>
+          <p:nvSpPr>
+            <p:cNvPr name="Freeform 24" id="24"/>
+            <p:cNvSpPr/>
+            <p:nvPr/>
+          </p:nvSpPr>
+          <p:spPr>
+            <a:xfrm flipH="false" flipV="false" rot="0">
+              <a:off x="0" y="0"/>
+              <a:ext cx="67979" cy="15240"/>
+            </a:xfrm>
+            <a:custGeom>
+              <a:avLst/>
+              <a:gdLst/>
+              <a:ahLst/>
+              <a:cxnLst/>
+              <a:rect r="r" b="b" t="t" l="l"/>
+              <a:pathLst>
+                <a:path h="15240" w="67979">
+                  <a:moveTo>
+                    <a:pt x="7620" y="0"/>
+                  </a:moveTo>
+                  <a:lnTo>
+                    <a:pt x="60360" y="0"/>
+                  </a:lnTo>
+                  <a:cubicBezTo>
+                    <a:pt x="64568" y="0"/>
+                    <a:pt x="67979" y="3412"/>
+                    <a:pt x="67979" y="7620"/>
+                  </a:cubicBezTo>
+                  <a:lnTo>
+                    <a:pt x="67979" y="7620"/>
+                  </a:lnTo>
+                  <a:cubicBezTo>
+                    <a:pt x="67979" y="11828"/>
+                    <a:pt x="64568" y="15240"/>
+                    <a:pt x="60360" y="15240"/>
+                  </a:cubicBezTo>
+                  <a:lnTo>
+                    <a:pt x="7620" y="15240"/>
+                  </a:lnTo>
+                  <a:cubicBezTo>
+                    <a:pt x="3412" y="15240"/>
+                    <a:pt x="0" y="11828"/>
+                    <a:pt x="0" y="7620"/>
+                  </a:cubicBezTo>
+                  <a:lnTo>
+                    <a:pt x="0" y="7620"/>
+                  </a:lnTo>
+                  <a:cubicBezTo>
+                    <a:pt x="0" y="3412"/>
+                    <a:pt x="3412" y="0"/>
+                    <a:pt x="7620" y="0"/>
+                  </a:cubicBezTo>
+                  <a:close/>
+                </a:path>
+              </a:pathLst>
+            </a:custGeom>
+            <a:solidFill>
+              <a:srgbClr val="242425"/>
+            </a:solidFill>
+          </p:spPr>
+        </p:sp>
+        <p:sp>
+          <p:nvSpPr>
+            <p:cNvPr name="TextBox 25" id="25"/>
+            <p:cNvSpPr txBox="true"/>
+            <p:nvPr/>
+          </p:nvSpPr>
+          <p:spPr>
+            <a:xfrm>
+              <a:off x="0" y="-38100"/>
+              <a:ext cx="812800" cy="850900"/>
+            </a:xfrm>
+            <a:prstGeom prst="rect">
+              <a:avLst/>
+            </a:prstGeom>
+          </p:spPr>
+          <p:txBody>
+            <a:bodyPr anchor="ctr" rtlCol="false" tIns="50800" lIns="50800" bIns="50800" rIns="50800"/>
+            <a:lstStyle/>
+            <a:p>
+              <a:pPr algn="ctr">
+                <a:lnSpc>
+                  <a:spcPts val="2659"/>
+                </a:lnSpc>
+              </a:pPr>
+            </a:p>
+          </p:txBody>
+        </p:sp>
+      </p:grpSp>
+      <p:grpSp>
+        <p:nvGrpSpPr>
+          <p:cNvPr name="Group 26" id="26"/>
+          <p:cNvGrpSpPr/>
+          <p:nvPr/>
+        </p:nvGrpSpPr>
+        <p:grpSpPr>
+          <a:xfrm rot="0">
+            <a:off x="1844830" y="1629164"/>
+            <a:ext cx="258110" cy="57864"/>
+            <a:chOff x="0" y="0"/>
+            <a:chExt cx="67979" cy="15240"/>
+          </a:xfrm>
+        </p:grpSpPr>
+        <p:sp>
+          <p:nvSpPr>
+            <p:cNvPr name="Freeform 27" id="27"/>
+            <p:cNvSpPr/>
+            <p:nvPr/>
+          </p:nvSpPr>
+          <p:spPr>
+            <a:xfrm flipH="false" flipV="false" rot="0">
+              <a:off x="0" y="0"/>
+              <a:ext cx="67979" cy="15240"/>
+            </a:xfrm>
+            <a:custGeom>
+              <a:avLst/>
+              <a:gdLst/>
+              <a:ahLst/>
+              <a:cxnLst/>
+              <a:rect r="r" b="b" t="t" l="l"/>
+              <a:pathLst>
+                <a:path h="15240" w="67979">
+                  <a:moveTo>
+                    <a:pt x="7620" y="0"/>
+                  </a:moveTo>
+                  <a:lnTo>
+                    <a:pt x="60360" y="0"/>
+                  </a:lnTo>
+                  <a:cubicBezTo>
+                    <a:pt x="64568" y="0"/>
+                    <a:pt x="67979" y="3412"/>
+                    <a:pt x="67979" y="7620"/>
+                  </a:cubicBezTo>
+                  <a:lnTo>
+                    <a:pt x="67979" y="7620"/>
+                  </a:lnTo>
+                  <a:cubicBezTo>
+                    <a:pt x="67979" y="11828"/>
+                    <a:pt x="64568" y="15240"/>
+                    <a:pt x="60360" y="15240"/>
+                  </a:cubicBezTo>
+                  <a:lnTo>
+                    <a:pt x="7620" y="15240"/>
+                  </a:lnTo>
+                  <a:cubicBezTo>
+                    <a:pt x="3412" y="15240"/>
+                    <a:pt x="0" y="11828"/>
+                    <a:pt x="0" y="7620"/>
+                  </a:cubicBezTo>
+                  <a:lnTo>
+                    <a:pt x="0" y="7620"/>
+                  </a:lnTo>
+                  <a:cubicBezTo>
+                    <a:pt x="0" y="3412"/>
+                    <a:pt x="3412" y="0"/>
+                    <a:pt x="7620" y="0"/>
+                  </a:cubicBezTo>
+                  <a:close/>
+                </a:path>
+              </a:pathLst>
+            </a:custGeom>
+            <a:solidFill>
+              <a:srgbClr val="242425"/>
+            </a:solidFill>
+          </p:spPr>
+        </p:sp>
+        <p:sp>
+          <p:nvSpPr>
+            <p:cNvPr name="TextBox 28" id="28"/>
+            <p:cNvSpPr txBox="true"/>
+            <p:nvPr/>
+          </p:nvSpPr>
+          <p:spPr>
+            <a:xfrm>
+              <a:off x="0" y="-38100"/>
+              <a:ext cx="812800" cy="850900"/>
+            </a:xfrm>
+            <a:prstGeom prst="rect">
+              <a:avLst/>
+            </a:prstGeom>
+          </p:spPr>
+          <p:txBody>
+            <a:bodyPr anchor="ctr" rtlCol="false" tIns="50800" lIns="50800" bIns="50800" rIns="50800"/>
+            <a:lstStyle/>
+            <a:p>
+              <a:pPr algn="ctr">
+                <a:lnSpc>
+                  <a:spcPts val="2659"/>
+                </a:lnSpc>
+              </a:pPr>
+            </a:p>
+          </p:txBody>
+        </p:sp>
+      </p:grpSp>
+      <p:sp>
+        <p:nvSpPr>
+          <p:cNvPr name="Freeform 29" id="29"/>
+          <p:cNvSpPr/>
+          <p:nvPr/>
+        </p:nvSpPr>
+        <p:spPr>
+          <a:xfrm flipH="false" flipV="false" rot="0">
+            <a:off x="11623425" y="2788399"/>
+            <a:ext cx="5097811" cy="5345018"/>
+          </a:xfrm>
+          <a:custGeom>
+            <a:avLst/>
+            <a:gdLst/>
+            <a:ahLst/>
+            <a:cxnLst/>
+            <a:rect r="r" b="b" t="t" l="l"/>
+            <a:pathLst>
+              <a:path h="5345018" w="5097811">
+                <a:moveTo>
+                  <a:pt x="0" y="0"/>
+                </a:moveTo>
+                <a:lnTo>
+                  <a:pt x="5097812" y="0"/>
+                </a:lnTo>
+                <a:lnTo>
+                  <a:pt x="5097812" y="5345018"/>
+                </a:lnTo>
+                <a:lnTo>
+                  <a:pt x="0" y="5345018"/>
+                </a:lnTo>
+                <a:lnTo>
+                  <a:pt x="0" y="0"/>
+                </a:lnTo>
+                <a:close/>
+              </a:path>
+            </a:pathLst>
+          </a:custGeom>
+          <a:blipFill>
+            <a:blip r:embed="rId10"/>
+            <a:stretch>
+              <a:fillRect l="0" t="0" r="0" b="0"/>
+            </a:stretch>
+          </a:blipFill>
+        </p:spPr>
+      </p:sp>
+      <p:grpSp>
+        <p:nvGrpSpPr>
+          <p:cNvPr name="Group 30" id="30"/>
+          <p:cNvGrpSpPr/>
+          <p:nvPr/>
+        </p:nvGrpSpPr>
+        <p:grpSpPr>
+          <a:xfrm rot="0">
+            <a:off x="11328606" y="4840290"/>
+            <a:ext cx="5707927" cy="1125635"/>
+            <a:chOff x="0" y="0"/>
+            <a:chExt cx="1646264" cy="324652"/>
+          </a:xfrm>
+        </p:grpSpPr>
+        <p:sp>
+          <p:nvSpPr>
+            <p:cNvPr name="Freeform 31" id="31"/>
+            <p:cNvSpPr/>
+            <p:nvPr/>
+          </p:nvSpPr>
+          <p:spPr>
+            <a:xfrm flipH="false" flipV="false" rot="0">
+              <a:off x="0" y="0"/>
+              <a:ext cx="1646264" cy="324652"/>
+            </a:xfrm>
+            <a:custGeom>
+              <a:avLst/>
+              <a:gdLst/>
+              <a:ahLst/>
+              <a:cxnLst/>
+              <a:rect r="r" b="b" t="t" l="l"/>
+              <a:pathLst>
+                <a:path h="324652" w="1646264">
+                  <a:moveTo>
+                    <a:pt x="37978" y="0"/>
+                  </a:moveTo>
+                  <a:lnTo>
+                    <a:pt x="1608286" y="0"/>
+                  </a:lnTo>
+                  <a:cubicBezTo>
+                    <a:pt x="1618358" y="0"/>
+                    <a:pt x="1628018" y="4001"/>
+                    <a:pt x="1635141" y="11123"/>
+                  </a:cubicBezTo>
+                  <a:cubicBezTo>
+                    <a:pt x="1642263" y="18246"/>
+                    <a:pt x="1646264" y="27905"/>
+                    <a:pt x="1646264" y="37978"/>
+                  </a:cubicBezTo>
+                  <a:lnTo>
+                    <a:pt x="1646264" y="286675"/>
+                  </a:lnTo>
+                  <a:cubicBezTo>
+                    <a:pt x="1646264" y="296747"/>
+                    <a:pt x="1642263" y="306407"/>
+                    <a:pt x="1635141" y="313529"/>
+                  </a:cubicBezTo>
+                  <a:cubicBezTo>
+                    <a:pt x="1628018" y="320651"/>
+                    <a:pt x="1618358" y="324652"/>
+                    <a:pt x="1608286" y="324652"/>
+                  </a:cubicBezTo>
+                  <a:lnTo>
+                    <a:pt x="37978" y="324652"/>
+                  </a:lnTo>
+                  <a:cubicBezTo>
+                    <a:pt x="27905" y="324652"/>
+                    <a:pt x="18246" y="320651"/>
+                    <a:pt x="11123" y="313529"/>
+                  </a:cubicBezTo>
+                  <a:cubicBezTo>
+                    <a:pt x="4001" y="306407"/>
+                    <a:pt x="0" y="296747"/>
+                    <a:pt x="0" y="286675"/>
+                  </a:cubicBezTo>
+                  <a:lnTo>
+                    <a:pt x="0" y="37978"/>
+                  </a:lnTo>
+                  <a:cubicBezTo>
+                    <a:pt x="0" y="27905"/>
+                    <a:pt x="4001" y="18246"/>
+                    <a:pt x="11123" y="11123"/>
+                  </a:cubicBezTo>
+                  <a:cubicBezTo>
+                    <a:pt x="18246" y="4001"/>
+                    <a:pt x="27905" y="0"/>
+                    <a:pt x="37978" y="0"/>
+                  </a:cubicBezTo>
+                  <a:close/>
+                </a:path>
+              </a:pathLst>
+            </a:custGeom>
+            <a:solidFill>
+              <a:srgbClr val="B289F8"/>
+            </a:solidFill>
+            <a:ln w="76200">
+              <a:solidFill>
+                <a:srgbClr val="242425"/>
+              </a:solidFill>
+            </a:ln>
+          </p:spPr>
+        </p:sp>
+        <p:sp>
+          <p:nvSpPr>
+            <p:cNvPr name="TextBox 32" id="32"/>
+            <p:cNvSpPr txBox="true"/>
+            <p:nvPr/>
+          </p:nvSpPr>
+          <p:spPr>
+            <a:xfrm>
+              <a:off x="0" y="-38100"/>
+              <a:ext cx="812800" cy="850900"/>
+            </a:xfrm>
+            <a:prstGeom prst="rect">
+              <a:avLst/>
+            </a:prstGeom>
+          </p:spPr>
+          <p:txBody>
+            <a:bodyPr anchor="ctr" rtlCol="false" tIns="50800" lIns="50800" bIns="50800" rIns="50800"/>
+            <a:lstStyle/>
+            <a:p>
+              <a:pPr algn="ctr">
+                <a:lnSpc>
+                  <a:spcPts val="2659"/>
+                </a:lnSpc>
+              </a:pPr>
+            </a:p>
+          </p:txBody>
+        </p:sp>
+      </p:grpSp>
+      <p:grpSp>
+        <p:nvGrpSpPr>
+          <p:cNvPr name="Group 33" id="33"/>
+          <p:cNvGrpSpPr/>
+          <p:nvPr/>
+        </p:nvGrpSpPr>
+        <p:grpSpPr>
+          <a:xfrm rot="0">
+            <a:off x="14956774" y="8989487"/>
+            <a:ext cx="537626" cy="537626"/>
+            <a:chOff x="0" y="0"/>
+            <a:chExt cx="812800" cy="812800"/>
+          </a:xfrm>
+        </p:grpSpPr>
+        <p:sp>
+          <p:nvSpPr>
+            <p:cNvPr name="Freeform 34" id="34"/>
+            <p:cNvSpPr/>
+            <p:nvPr/>
+          </p:nvSpPr>
+          <p:spPr>
+            <a:xfrm flipH="false" flipV="false" rot="0">
+              <a:off x="1813" y="0"/>
+              <a:ext cx="809173" cy="812800"/>
+            </a:xfrm>
+            <a:custGeom>
+              <a:avLst/>
+              <a:gdLst/>
+              <a:ahLst/>
+              <a:cxnLst/>
+              <a:rect r="r" b="b" t="t" l="l"/>
+              <a:pathLst>
+                <a:path h="812800" w="809173">
+                  <a:moveTo>
+                    <a:pt x="404587" y="0"/>
+                  </a:moveTo>
+                  <a:cubicBezTo>
+                    <a:pt x="628326" y="1001"/>
+                    <a:pt x="809174" y="182659"/>
+                    <a:pt x="809174" y="406400"/>
+                  </a:cubicBezTo>
+                  <a:cubicBezTo>
+                    <a:pt x="809174" y="630141"/>
+                    <a:pt x="628326" y="811799"/>
+                    <a:pt x="404587" y="812800"/>
+                  </a:cubicBezTo>
+                  <a:cubicBezTo>
+                    <a:pt x="180848" y="811799"/>
+                    <a:pt x="0" y="630141"/>
+                    <a:pt x="0" y="406400"/>
+                  </a:cubicBezTo>
+                  <a:cubicBezTo>
+                    <a:pt x="0" y="182659"/>
+                    <a:pt x="180848" y="1001"/>
+                    <a:pt x="404587" y="0"/>
+                  </a:cubicBezTo>
+                  <a:close/>
+                </a:path>
+              </a:pathLst>
+            </a:custGeom>
+            <a:solidFill>
+              <a:srgbClr val="B1EF42"/>
+            </a:solidFill>
+            <a:ln w="76200">
+              <a:solidFill>
+                <a:srgbClr val="242425"/>
+              </a:solidFill>
+            </a:ln>
+          </p:spPr>
+        </p:sp>
+        <p:sp>
+          <p:nvSpPr>
+            <p:cNvPr name="TextBox 35" id="35"/>
+            <p:cNvSpPr txBox="true"/>
+            <p:nvPr/>
+          </p:nvSpPr>
+          <p:spPr>
+            <a:xfrm>
+              <a:off x="76200" y="38100"/>
+              <a:ext cx="660400" cy="698500"/>
+            </a:xfrm>
+            <a:prstGeom prst="rect">
+              <a:avLst/>
+            </a:prstGeom>
+          </p:spPr>
+          <p:txBody>
+            <a:bodyPr anchor="ctr" rtlCol="false" tIns="50800" lIns="50800" bIns="50800" rIns="50800"/>
+            <a:lstStyle/>
+            <a:p>
+              <a:pPr algn="ctr">
+                <a:lnSpc>
+                  <a:spcPts val="2659"/>
+                </a:lnSpc>
+              </a:pPr>
+            </a:p>
+          </p:txBody>
+        </p:sp>
+      </p:grpSp>
+      <p:grpSp>
+        <p:nvGrpSpPr>
+          <p:cNvPr name="Group 36" id="36"/>
+          <p:cNvGrpSpPr/>
+          <p:nvPr/>
+        </p:nvGrpSpPr>
+        <p:grpSpPr>
+          <a:xfrm rot="0">
+            <a:off x="15665147" y="8989487"/>
+            <a:ext cx="537626" cy="537626"/>
+            <a:chOff x="0" y="0"/>
+            <a:chExt cx="812800" cy="812800"/>
+          </a:xfrm>
+        </p:grpSpPr>
+        <p:sp>
+          <p:nvSpPr>
+            <p:cNvPr name="Freeform 37" id="37"/>
+            <p:cNvSpPr/>
+            <p:nvPr/>
+          </p:nvSpPr>
+          <p:spPr>
+            <a:xfrm flipH="false" flipV="false" rot="0">
+              <a:off x="1813" y="0"/>
+              <a:ext cx="809173" cy="812800"/>
+            </a:xfrm>
+            <a:custGeom>
+              <a:avLst/>
+              <a:gdLst/>
+              <a:ahLst/>
+              <a:cxnLst/>
+              <a:rect r="r" b="b" t="t" l="l"/>
+              <a:pathLst>
+                <a:path h="812800" w="809173">
+                  <a:moveTo>
+                    <a:pt x="404587" y="0"/>
+                  </a:moveTo>
+                  <a:cubicBezTo>
+                    <a:pt x="628326" y="1001"/>
+                    <a:pt x="809174" y="182659"/>
+                    <a:pt x="809174" y="406400"/>
+                  </a:cubicBezTo>
+                  <a:cubicBezTo>
+                    <a:pt x="809174" y="630141"/>
+                    <a:pt x="628326" y="811799"/>
+                    <a:pt x="404587" y="812800"/>
+                  </a:cubicBezTo>
+                  <a:cubicBezTo>
+                    <a:pt x="180848" y="811799"/>
+                    <a:pt x="0" y="630141"/>
+                    <a:pt x="0" y="406400"/>
+                  </a:cubicBezTo>
+                  <a:cubicBezTo>
+                    <a:pt x="0" y="182659"/>
+                    <a:pt x="180848" y="1001"/>
+                    <a:pt x="404587" y="0"/>
+                  </a:cubicBezTo>
+                  <a:close/>
+                </a:path>
+              </a:pathLst>
+            </a:custGeom>
+            <a:solidFill>
+              <a:srgbClr val="E0FFA9"/>
+            </a:solidFill>
+            <a:ln w="76200">
+              <a:solidFill>
+                <a:srgbClr val="242425"/>
+              </a:solidFill>
+            </a:ln>
+          </p:spPr>
+        </p:sp>
+        <p:sp>
+          <p:nvSpPr>
+            <p:cNvPr name="TextBox 38" id="38"/>
+            <p:cNvSpPr txBox="true"/>
+            <p:nvPr/>
+          </p:nvSpPr>
+          <p:spPr>
+            <a:xfrm>
+              <a:off x="76200" y="38100"/>
+              <a:ext cx="660400" cy="698500"/>
+            </a:xfrm>
+            <a:prstGeom prst="rect">
+              <a:avLst/>
+            </a:prstGeom>
+          </p:spPr>
+          <p:txBody>
+            <a:bodyPr anchor="ctr" rtlCol="false" tIns="50800" lIns="50800" bIns="50800" rIns="50800"/>
+            <a:lstStyle/>
+            <a:p>
+              <a:pPr algn="ctr">
+                <a:lnSpc>
+                  <a:spcPts val="2659"/>
+                </a:lnSpc>
+              </a:pPr>
+            </a:p>
+          </p:txBody>
+        </p:sp>
+      </p:grpSp>
+      <p:grpSp>
+        <p:nvGrpSpPr>
+          <p:cNvPr name="Group 39" id="39"/>
+          <p:cNvGrpSpPr/>
+          <p:nvPr/>
+        </p:nvGrpSpPr>
+        <p:grpSpPr>
+          <a:xfrm rot="0">
+            <a:off x="16374223" y="8989487"/>
+            <a:ext cx="537626" cy="537626"/>
+            <a:chOff x="0" y="0"/>
+            <a:chExt cx="812800" cy="812800"/>
+          </a:xfrm>
+        </p:grpSpPr>
+        <p:sp>
+          <p:nvSpPr>
+            <p:cNvPr name="Freeform 40" id="40"/>
+            <p:cNvSpPr/>
+            <p:nvPr/>
+          </p:nvSpPr>
+          <p:spPr>
+            <a:xfrm flipH="false" flipV="false" rot="0">
+              <a:off x="1813" y="0"/>
+              <a:ext cx="809173" cy="812800"/>
+            </a:xfrm>
+            <a:custGeom>
+              <a:avLst/>
+              <a:gdLst/>
+              <a:ahLst/>
+              <a:cxnLst/>
+              <a:rect r="r" b="b" t="t" l="l"/>
+              <a:pathLst>
+                <a:path h="812800" w="809173">
+                  <a:moveTo>
+                    <a:pt x="404587" y="0"/>
+                  </a:moveTo>
+                  <a:cubicBezTo>
+                    <a:pt x="628326" y="1001"/>
+                    <a:pt x="809174" y="182659"/>
+                    <a:pt x="809174" y="406400"/>
+                  </a:cubicBezTo>
+                  <a:cubicBezTo>
+                    <a:pt x="809174" y="630141"/>
+                    <a:pt x="628326" y="811799"/>
+                    <a:pt x="404587" y="812800"/>
+                  </a:cubicBezTo>
+                  <a:cubicBezTo>
+                    <a:pt x="180848" y="811799"/>
+                    <a:pt x="0" y="630141"/>
+                    <a:pt x="0" y="406400"/>
+                  </a:cubicBezTo>
+                  <a:cubicBezTo>
+                    <a:pt x="0" y="182659"/>
+                    <a:pt x="180848" y="1001"/>
+                    <a:pt x="404587" y="0"/>
+                  </a:cubicBezTo>
+                  <a:close/>
+                </a:path>
+              </a:pathLst>
+            </a:custGeom>
+            <a:solidFill>
+              <a:srgbClr val="F58235"/>
+            </a:solidFill>
+            <a:ln w="76200">
+              <a:solidFill>
+                <a:srgbClr val="242425"/>
+              </a:solidFill>
+            </a:ln>
+          </p:spPr>
+        </p:sp>
+        <p:sp>
+          <p:nvSpPr>
+            <p:cNvPr name="TextBox 41" id="41"/>
+            <p:cNvSpPr txBox="true"/>
+            <p:nvPr/>
+          </p:nvSpPr>
+          <p:spPr>
+            <a:xfrm>
+              <a:off x="76200" y="38100"/>
+              <a:ext cx="660400" cy="698500"/>
+            </a:xfrm>
+            <a:prstGeom prst="rect">
+              <a:avLst/>
+            </a:prstGeom>
+          </p:spPr>
+          <p:txBody>
+            <a:bodyPr anchor="ctr" rtlCol="false" tIns="50800" lIns="50800" bIns="50800" rIns="50800"/>
+            <a:lstStyle/>
+            <a:p>
+              <a:pPr algn="ctr">
+                <a:lnSpc>
+                  <a:spcPts val="2659"/>
+                </a:lnSpc>
+              </a:pPr>
+            </a:p>
+          </p:txBody>
+        </p:sp>
+      </p:grpSp>
+      <p:sp>
+        <p:nvSpPr>
+          <p:cNvPr name="Freeform 42" id="42"/>
+          <p:cNvSpPr/>
+          <p:nvPr/>
+        </p:nvSpPr>
+        <p:spPr>
+          <a:xfrm flipH="false" flipV="false" rot="0">
+            <a:off x="16202773" y="723267"/>
+            <a:ext cx="3645807" cy="1995251"/>
+          </a:xfrm>
+          <a:custGeom>
+            <a:avLst/>
+            <a:gdLst/>
+            <a:ahLst/>
+            <a:cxnLst/>
+            <a:rect r="r" b="b" t="t" l="l"/>
+            <a:pathLst>
+              <a:path h="1995251" w="3645807">
+                <a:moveTo>
+                  <a:pt x="0" y="0"/>
+                </a:moveTo>
+                <a:lnTo>
+                  <a:pt x="3645807" y="0"/>
+                </a:lnTo>
+                <a:lnTo>
+                  <a:pt x="3645807" y="1995251"/>
+                </a:lnTo>
+                <a:lnTo>
+                  <a:pt x="0" y="1995251"/>
+                </a:lnTo>
+                <a:lnTo>
+                  <a:pt x="0" y="0"/>
+                </a:lnTo>
+                <a:close/>
+              </a:path>
+            </a:pathLst>
+          </a:custGeom>
+          <a:blipFill>
+            <a:blip r:embed="rId4">
+              <a:extLst>
+                <a:ext uri="{96DAC541-7B7A-43D3-8B79-37D633B846F1}">
+                  <asvg:svgBlip xmlns:asvg="http://schemas.microsoft.com/office/drawing/2016/SVG/main" r:embed="rId5"/>
+                </a:ext>
+              </a:extLst>
+            </a:blip>
+            <a:stretch>
+              <a:fillRect l="0" t="0" r="0" b="0"/>
+            </a:stretch>
+          </a:blipFill>
+        </p:spPr>
+      </p:sp>
+      <p:sp>
+        <p:nvSpPr>
+          <p:cNvPr name="TextBox 43" id="43"/>
+          <p:cNvSpPr txBox="true"/>
+          <p:nvPr/>
+        </p:nvSpPr>
+        <p:spPr>
+          <a:xfrm rot="0">
+            <a:off x="12141889" y="4771109"/>
+            <a:ext cx="4060884" cy="1237374"/>
+          </a:xfrm>
+          <a:prstGeom prst="rect">
+            <a:avLst/>
+          </a:prstGeom>
+        </p:spPr>
+        <p:txBody>
+          <a:bodyPr anchor="t" rtlCol="false" tIns="0" lIns="0" bIns="0" rIns="0">
+            <a:spAutoFit/>
+          </a:bodyPr>
+          <a:lstStyle/>
+          <a:p>
+            <a:pPr algn="ctr">
+              <a:lnSpc>
+                <a:spcPts val="10023"/>
+              </a:lnSpc>
+            </a:pPr>
+            <a:r>
+              <a:rPr lang="en-US" sz="7159">
+                <a:solidFill>
+                  <a:srgbClr val="FFFFFF"/>
+                </a:solidFill>
+                <a:latin typeface="Courier Prime Bold"/>
+              </a:rPr>
+              <a:t>A P I</a:t>
+            </a:r>
+          </a:p>
+        </p:txBody>
+      </p:sp>
+      <p:grpSp>
+        <p:nvGrpSpPr>
+          <p:cNvPr name="Group 44" id="44"/>
+          <p:cNvGrpSpPr/>
+          <p:nvPr/>
+        </p:nvGrpSpPr>
+        <p:grpSpPr>
+          <a:xfrm rot="0">
+            <a:off x="11088891" y="6137375"/>
+            <a:ext cx="1051928" cy="1141825"/>
+            <a:chOff x="0" y="0"/>
+            <a:chExt cx="1402570" cy="1522434"/>
+          </a:xfrm>
+        </p:grpSpPr>
+        <p:sp>
+          <p:nvSpPr>
+            <p:cNvPr name="Freeform 45" id="45"/>
+            <p:cNvSpPr/>
+            <p:nvPr/>
+          </p:nvSpPr>
+          <p:spPr>
+            <a:xfrm flipH="false" flipV="false" rot="0">
+              <a:off x="0" y="0"/>
+              <a:ext cx="1402570" cy="1522434"/>
+            </a:xfrm>
+            <a:custGeom>
+              <a:avLst/>
+              <a:gdLst/>
+              <a:ahLst/>
+              <a:cxnLst/>
+              <a:rect r="r" b="b" t="t" l="l"/>
+              <a:pathLst>
+                <a:path h="1522434" w="1402570">
+                  <a:moveTo>
+                    <a:pt x="0" y="0"/>
+                  </a:moveTo>
+                  <a:lnTo>
+                    <a:pt x="1402570" y="0"/>
+                  </a:lnTo>
+                  <a:lnTo>
+                    <a:pt x="1402570" y="1522434"/>
+                  </a:lnTo>
+                  <a:lnTo>
+                    <a:pt x="0" y="1522434"/>
+                  </a:lnTo>
+                  <a:lnTo>
+                    <a:pt x="0" y="0"/>
+                  </a:lnTo>
+                  <a:close/>
+                </a:path>
+              </a:pathLst>
+            </a:custGeom>
+            <a:blipFill>
+              <a:blip r:embed="rId11">
+                <a:extLst>
+                  <a:ext uri="{96DAC541-7B7A-43D3-8B79-37D633B846F1}">
+                    <asvg:svgBlip xmlns:asvg="http://schemas.microsoft.com/office/drawing/2016/SVG/main" r:embed="rId12"/>
+                  </a:ext>
+                </a:extLst>
+              </a:blip>
+              <a:stretch>
+                <a:fillRect l="0" t="0" r="0" b="0"/>
+              </a:stretch>
+            </a:blipFill>
+          </p:spPr>
+        </p:sp>
+        <p:sp>
+          <p:nvSpPr>
+            <p:cNvPr name="Freeform 46" id="46"/>
+            <p:cNvSpPr/>
+            <p:nvPr/>
+          </p:nvSpPr>
+          <p:spPr>
+            <a:xfrm flipH="false" flipV="false" rot="0">
+              <a:off x="129586" y="140660"/>
+              <a:ext cx="1143399" cy="1241114"/>
+            </a:xfrm>
+            <a:custGeom>
+              <a:avLst/>
+              <a:gdLst/>
+              <a:ahLst/>
+              <a:cxnLst/>
+              <a:rect r="r" b="b" t="t" l="l"/>
+              <a:pathLst>
+                <a:path h="1241114" w="1143399">
+                  <a:moveTo>
+                    <a:pt x="0" y="0"/>
+                  </a:moveTo>
+                  <a:lnTo>
+                    <a:pt x="1143398" y="0"/>
+                  </a:lnTo>
+                  <a:lnTo>
+                    <a:pt x="1143398" y="1241114"/>
+                  </a:lnTo>
+                  <a:lnTo>
+                    <a:pt x="0" y="1241114"/>
+                  </a:lnTo>
+                  <a:lnTo>
+                    <a:pt x="0" y="0"/>
+                  </a:lnTo>
+                  <a:close/>
+                </a:path>
+              </a:pathLst>
+            </a:custGeom>
+            <a:blipFill>
+              <a:blip r:embed="rId13">
+                <a:extLst>
+                  <a:ext uri="{96DAC541-7B7A-43D3-8B79-37D633B846F1}">
+                    <asvg:svgBlip xmlns:asvg="http://schemas.microsoft.com/office/drawing/2016/SVG/main" r:embed="rId14"/>
+                  </a:ext>
+                </a:extLst>
+              </a:blip>
+              <a:stretch>
+                <a:fillRect l="0" t="0" r="0" b="0"/>
+              </a:stretch>
+            </a:blipFill>
+          </p:spPr>
+        </p:sp>
+      </p:grpSp>
+      <p:grpSp>
+        <p:nvGrpSpPr>
+          <p:cNvPr name="Group 47" id="47"/>
+          <p:cNvGrpSpPr/>
+          <p:nvPr/>
+        </p:nvGrpSpPr>
+        <p:grpSpPr>
+          <a:xfrm rot="0">
+            <a:off x="16526405" y="3732843"/>
+            <a:ext cx="1020256" cy="1107448"/>
+            <a:chOff x="0" y="0"/>
+            <a:chExt cx="1360342" cy="1476597"/>
+          </a:xfrm>
+        </p:grpSpPr>
+        <p:sp>
+          <p:nvSpPr>
+            <p:cNvPr name="Freeform 48" id="48"/>
+            <p:cNvSpPr/>
+            <p:nvPr/>
+          </p:nvSpPr>
+          <p:spPr>
+            <a:xfrm flipH="false" flipV="false" rot="0">
+              <a:off x="0" y="0"/>
+              <a:ext cx="1360342" cy="1476597"/>
+            </a:xfrm>
+            <a:custGeom>
+              <a:avLst/>
+              <a:gdLst/>
+              <a:ahLst/>
+              <a:cxnLst/>
+              <a:rect r="r" b="b" t="t" l="l"/>
+              <a:pathLst>
+                <a:path h="1476597" w="1360342">
+                  <a:moveTo>
+                    <a:pt x="0" y="0"/>
+                  </a:moveTo>
+                  <a:lnTo>
+                    <a:pt x="1360342" y="0"/>
+                  </a:lnTo>
+                  <a:lnTo>
+                    <a:pt x="1360342" y="1476597"/>
+                  </a:lnTo>
+                  <a:lnTo>
+                    <a:pt x="0" y="1476597"/>
+                  </a:lnTo>
+                  <a:lnTo>
+                    <a:pt x="0" y="0"/>
+                  </a:lnTo>
+                  <a:close/>
+                </a:path>
+              </a:pathLst>
+            </a:custGeom>
+            <a:blipFill>
+              <a:blip r:embed="rId11">
+                <a:extLst>
+                  <a:ext uri="{96DAC541-7B7A-43D3-8B79-37D633B846F1}">
+                    <asvg:svgBlip xmlns:asvg="http://schemas.microsoft.com/office/drawing/2016/SVG/main" r:embed="rId12"/>
+                  </a:ext>
+                </a:extLst>
+              </a:blip>
+              <a:stretch>
+                <a:fillRect l="0" t="0" r="0" b="0"/>
+              </a:stretch>
+            </a:blipFill>
+          </p:spPr>
+        </p:sp>
+        <p:sp>
+          <p:nvSpPr>
+            <p:cNvPr name="Freeform 49" id="49"/>
+            <p:cNvSpPr/>
+            <p:nvPr/>
+          </p:nvSpPr>
+          <p:spPr>
+            <a:xfrm flipH="false" flipV="false" rot="0">
+              <a:off x="125684" y="136425"/>
+              <a:ext cx="1108974" cy="1203747"/>
+            </a:xfrm>
+            <a:custGeom>
+              <a:avLst/>
+              <a:gdLst/>
+              <a:ahLst/>
+              <a:cxnLst/>
+              <a:rect r="r" b="b" t="t" l="l"/>
+              <a:pathLst>
+                <a:path h="1203747" w="1108974">
+                  <a:moveTo>
+                    <a:pt x="0" y="0"/>
+                  </a:moveTo>
+                  <a:lnTo>
+                    <a:pt x="1108974" y="0"/>
+                  </a:lnTo>
+                  <a:lnTo>
+                    <a:pt x="1108974" y="1203747"/>
+                  </a:lnTo>
+                  <a:lnTo>
+                    <a:pt x="0" y="1203747"/>
+                  </a:lnTo>
+                  <a:lnTo>
+                    <a:pt x="0" y="0"/>
+                  </a:lnTo>
+                  <a:close/>
+                </a:path>
+              </a:pathLst>
+            </a:custGeom>
+            <a:blipFill>
+              <a:blip r:embed="rId15">
+                <a:extLst>
+                  <a:ext uri="{96DAC541-7B7A-43D3-8B79-37D633B846F1}">
+                    <asvg:svgBlip xmlns:asvg="http://schemas.microsoft.com/office/drawing/2016/SVG/main" r:embed="rId16"/>
+                  </a:ext>
+                </a:extLst>
+              </a:blip>
+              <a:stretch>
+                <a:fillRect l="0" t="0" r="0" b="0"/>
+              </a:stretch>
+            </a:blipFill>
+          </p:spPr>
+        </p:sp>
+      </p:grpSp>
+      <p:grpSp>
+        <p:nvGrpSpPr>
+          <p:cNvPr name="Group 50" id="50"/>
+          <p:cNvGrpSpPr/>
+          <p:nvPr/>
+        </p:nvGrpSpPr>
+        <p:grpSpPr>
+          <a:xfrm rot="0">
+            <a:off x="11776605" y="6882699"/>
+            <a:ext cx="730568" cy="793003"/>
+            <a:chOff x="0" y="0"/>
+            <a:chExt cx="974091" cy="1057337"/>
+          </a:xfrm>
+        </p:grpSpPr>
+        <p:sp>
+          <p:nvSpPr>
+            <p:cNvPr name="Freeform 51" id="51"/>
+            <p:cNvSpPr/>
+            <p:nvPr/>
+          </p:nvSpPr>
+          <p:spPr>
+            <a:xfrm flipH="false" flipV="false" rot="0">
+              <a:off x="0" y="0"/>
+              <a:ext cx="974091" cy="1057337"/>
+            </a:xfrm>
+            <a:custGeom>
+              <a:avLst/>
+              <a:gdLst/>
+              <a:ahLst/>
+              <a:cxnLst/>
+              <a:rect r="r" b="b" t="t" l="l"/>
+              <a:pathLst>
+                <a:path h="1057337" w="974091">
+                  <a:moveTo>
+                    <a:pt x="0" y="0"/>
+                  </a:moveTo>
+                  <a:lnTo>
+                    <a:pt x="974091" y="0"/>
+                  </a:lnTo>
+                  <a:lnTo>
+                    <a:pt x="974091" y="1057337"/>
+                  </a:lnTo>
+                  <a:lnTo>
+                    <a:pt x="0" y="1057337"/>
+                  </a:lnTo>
+                  <a:lnTo>
+                    <a:pt x="0" y="0"/>
+                  </a:lnTo>
+                  <a:close/>
+                </a:path>
+              </a:pathLst>
+            </a:custGeom>
+            <a:blipFill>
+              <a:blip r:embed="rId11">
+                <a:extLst>
+                  <a:ext uri="{96DAC541-7B7A-43D3-8B79-37D633B846F1}">
+                    <asvg:svgBlip xmlns:asvg="http://schemas.microsoft.com/office/drawing/2016/SVG/main" r:embed="rId12"/>
+                  </a:ext>
+                </a:extLst>
+              </a:blip>
+              <a:stretch>
+                <a:fillRect l="0" t="0" r="0" b="0"/>
+              </a:stretch>
+            </a:blipFill>
+          </p:spPr>
+        </p:sp>
+        <p:sp>
+          <p:nvSpPr>
+            <p:cNvPr name="Freeform 52" id="52"/>
+            <p:cNvSpPr/>
+            <p:nvPr/>
+          </p:nvSpPr>
+          <p:spPr>
+            <a:xfrm flipH="false" flipV="false" rot="0">
+              <a:off x="89998" y="97689"/>
+              <a:ext cx="794096" cy="861959"/>
+            </a:xfrm>
+            <a:custGeom>
+              <a:avLst/>
+              <a:gdLst/>
+              <a:ahLst/>
+              <a:cxnLst/>
+              <a:rect r="r" b="b" t="t" l="l"/>
+              <a:pathLst>
+                <a:path h="861959" w="794096">
+                  <a:moveTo>
+                    <a:pt x="0" y="0"/>
+                  </a:moveTo>
+                  <a:lnTo>
+                    <a:pt x="794095" y="0"/>
+                  </a:lnTo>
+                  <a:lnTo>
+                    <a:pt x="794095" y="861959"/>
+                  </a:lnTo>
+                  <a:lnTo>
+                    <a:pt x="0" y="861959"/>
+                  </a:lnTo>
+                  <a:lnTo>
+                    <a:pt x="0" y="0"/>
+                  </a:lnTo>
+                  <a:close/>
+                </a:path>
+              </a:pathLst>
+            </a:custGeom>
+            <a:blipFill>
+              <a:blip r:embed="rId15">
+                <a:extLst>
+                  <a:ext uri="{96DAC541-7B7A-43D3-8B79-37D633B846F1}">
+                    <asvg:svgBlip xmlns:asvg="http://schemas.microsoft.com/office/drawing/2016/SVG/main" r:embed="rId16"/>
+                  </a:ext>
+                </a:extLst>
+              </a:blip>
+              <a:stretch>
+                <a:fillRect l="0" t="0" r="0" b="0"/>
+              </a:stretch>
+            </a:blipFill>
+          </p:spPr>
+        </p:sp>
+      </p:grpSp>
+      <p:grpSp>
+        <p:nvGrpSpPr>
+          <p:cNvPr name="Group 53" id="53"/>
+          <p:cNvGrpSpPr/>
+          <p:nvPr/>
+        </p:nvGrpSpPr>
+        <p:grpSpPr>
+          <a:xfrm rot="0">
+            <a:off x="16202773" y="3296623"/>
+            <a:ext cx="730568" cy="793003"/>
+            <a:chOff x="0" y="0"/>
+            <a:chExt cx="974091" cy="1057337"/>
+          </a:xfrm>
+        </p:grpSpPr>
+        <p:sp>
+          <p:nvSpPr>
+            <p:cNvPr name="Freeform 54" id="54"/>
+            <p:cNvSpPr/>
+            <p:nvPr/>
+          </p:nvSpPr>
+          <p:spPr>
+            <a:xfrm flipH="false" flipV="false" rot="0">
+              <a:off x="0" y="0"/>
+              <a:ext cx="974091" cy="1057337"/>
+            </a:xfrm>
+            <a:custGeom>
+              <a:avLst/>
+              <a:gdLst/>
+              <a:ahLst/>
+              <a:cxnLst/>
+              <a:rect r="r" b="b" t="t" l="l"/>
+              <a:pathLst>
+                <a:path h="1057337" w="974091">
+                  <a:moveTo>
+                    <a:pt x="0" y="0"/>
+                  </a:moveTo>
+                  <a:lnTo>
+                    <a:pt x="974091" y="0"/>
+                  </a:lnTo>
+                  <a:lnTo>
+                    <a:pt x="974091" y="1057337"/>
+                  </a:lnTo>
+                  <a:lnTo>
+                    <a:pt x="0" y="1057337"/>
+                  </a:lnTo>
+                  <a:lnTo>
+                    <a:pt x="0" y="0"/>
+                  </a:lnTo>
+                  <a:close/>
+                </a:path>
+              </a:pathLst>
+            </a:custGeom>
+            <a:blipFill>
+              <a:blip r:embed="rId11">
+                <a:extLst>
+                  <a:ext uri="{96DAC541-7B7A-43D3-8B79-37D633B846F1}">
+                    <asvg:svgBlip xmlns:asvg="http://schemas.microsoft.com/office/drawing/2016/SVG/main" r:embed="rId12"/>
+                  </a:ext>
+                </a:extLst>
+              </a:blip>
+              <a:stretch>
+                <a:fillRect l="0" t="0" r="0" b="0"/>
+              </a:stretch>
+            </a:blipFill>
+          </p:spPr>
+        </p:sp>
+        <p:sp>
+          <p:nvSpPr>
+            <p:cNvPr name="Freeform 55" id="55"/>
+            <p:cNvSpPr/>
+            <p:nvPr/>
+          </p:nvSpPr>
+          <p:spPr>
+            <a:xfrm flipH="false" flipV="false" rot="0">
+              <a:off x="89998" y="97689"/>
+              <a:ext cx="794096" cy="861959"/>
+            </a:xfrm>
+            <a:custGeom>
+              <a:avLst/>
+              <a:gdLst/>
+              <a:ahLst/>
+              <a:cxnLst/>
+              <a:rect r="r" b="b" t="t" l="l"/>
+              <a:pathLst>
+                <a:path h="861959" w="794096">
+                  <a:moveTo>
+                    <a:pt x="0" y="0"/>
+                  </a:moveTo>
+                  <a:lnTo>
+                    <a:pt x="794095" y="0"/>
+                  </a:lnTo>
+                  <a:lnTo>
+                    <a:pt x="794095" y="861959"/>
+                  </a:lnTo>
+                  <a:lnTo>
+                    <a:pt x="0" y="861959"/>
+                  </a:lnTo>
+                  <a:lnTo>
+                    <a:pt x="0" y="0"/>
+                  </a:lnTo>
+                  <a:close/>
+                </a:path>
+              </a:pathLst>
+            </a:custGeom>
+            <a:blipFill>
+              <a:blip r:embed="rId13">
+                <a:extLst>
+                  <a:ext uri="{96DAC541-7B7A-43D3-8B79-37D633B846F1}">
+                    <asvg:svgBlip xmlns:asvg="http://schemas.microsoft.com/office/drawing/2016/SVG/main" r:embed="rId14"/>
+                  </a:ext>
+                </a:extLst>
+              </a:blip>
+              <a:stretch>
+                <a:fillRect l="0" t="0" r="0" b="0"/>
+              </a:stretch>
+            </a:blipFill>
+          </p:spPr>
+        </p:sp>
+      </p:grpSp>
+      <p:sp>
+        <p:nvSpPr>
+          <p:cNvPr name="TextBox 56" id="56"/>
+          <p:cNvSpPr txBox="true"/>
+          <p:nvPr/>
+        </p:nvSpPr>
+        <p:spPr>
+          <a:xfrm rot="0">
+            <a:off x="1757197" y="4691313"/>
+            <a:ext cx="8840879" cy="3861204"/>
+          </a:xfrm>
+          <a:prstGeom prst="rect">
+            <a:avLst/>
+          </a:prstGeom>
+        </p:spPr>
+        <p:txBody>
+          <a:bodyPr anchor="t" rtlCol="false" tIns="0" lIns="0" bIns="0" rIns="0">
+            <a:spAutoFit/>
+          </a:bodyPr>
+          <a:lstStyle/>
+          <a:p>
+            <a:pPr algn="just">
+              <a:lnSpc>
+                <a:spcPts val="7677"/>
+              </a:lnSpc>
+            </a:pPr>
+            <a:r>
+              <a:rPr lang="en-US" sz="5484">
+                <a:solidFill>
+                  <a:srgbClr val="242425"/>
+                </a:solidFill>
+                <a:latin typeface="Courier Prime Bold"/>
+              </a:rPr>
+              <a:t>An Interface that connects your program with someone else's program.</a:t>
+            </a:r>
+          </a:p>
+        </p:txBody>
+      </p:sp>
+      <p:sp>
+        <p:nvSpPr>
+          <p:cNvPr name="TextBox 57" id="57"/>
+          <p:cNvSpPr txBox="true"/>
+          <p:nvPr/>
+        </p:nvSpPr>
+        <p:spPr>
+          <a:xfrm rot="0">
+            <a:off x="1981763" y="2336172"/>
+            <a:ext cx="8920841" cy="2571605"/>
+          </a:xfrm>
+          <a:prstGeom prst="rect">
+            <a:avLst/>
+          </a:prstGeom>
+        </p:spPr>
+        <p:txBody>
+          <a:bodyPr anchor="t" rtlCol="false" tIns="0" lIns="0" bIns="0" rIns="0">
+            <a:spAutoFit/>
+          </a:bodyPr>
+          <a:lstStyle/>
+          <a:p>
+            <a:pPr>
+              <a:lnSpc>
+                <a:spcPts val="9849"/>
+              </a:lnSpc>
+            </a:pPr>
+            <a:r>
+              <a:rPr lang="en-US" sz="9849">
+                <a:solidFill>
+                  <a:srgbClr val="242425"/>
+                </a:solidFill>
+                <a:latin typeface="Courier Prime Bold"/>
+              </a:rPr>
+              <a:t>SO THEN AN API IS</a:t>
+            </a:r>
+          </a:p>
+        </p:txBody>
+      </p:sp>
+    </p:spTree>
+  </p:cSld>
+  <p:clrMapOvr>
+    <a:masterClrMapping/>
+  </p:clrMapOvr>
+</p:sld>
+</file>
+
+<file path=ppt/slides/slide11.xml><?xml version="1.0" encoding="utf-8"?>
+<p:sld xmlns:p="http://schemas.openxmlformats.org/presentationml/2006/main" xmlns:a="http://schemas.openxmlformats.org/drawingml/2006/main" xmlns:r="http://schemas.openxmlformats.org/officeDocument/2006/relationships">
+  <p:cSld>
+    <p:bg>
+      <p:bgPr>
+        <a:solidFill>
           <a:srgbClr val="B289F8"/>
         </a:solidFill>
       </p:bgPr>
@@ -6097,7 +8202,7 @@
 </p:sld>
 </file>
 
-<file path=ppt/slides/slide11.xml><?xml version="1.0" encoding="utf-8"?>
+<file path=ppt/slides/slide12.xml><?xml version="1.0" encoding="utf-8"?>
 <p:sld xmlns:p="http://schemas.openxmlformats.org/presentationml/2006/main" xmlns:a="http://schemas.openxmlformats.org/drawingml/2006/main" xmlns:r="http://schemas.openxmlformats.org/officeDocument/2006/relationships">
   <p:cSld>
     <p:bg>
@@ -6296,7 +8401,7 @@
 </p:sld>
 </file>
 
-<file path=ppt/slides/slide12.xml><?xml version="1.0" encoding="utf-8"?>
+<file path=ppt/slides/slide13.xml><?xml version="1.0" encoding="utf-8"?>
 <p:sld xmlns:p="http://schemas.openxmlformats.org/presentationml/2006/main" xmlns:a="http://schemas.openxmlformats.org/drawingml/2006/main" xmlns:r="http://schemas.openxmlformats.org/officeDocument/2006/relationships">
   <p:cSld>
     <p:bg>
@@ -6533,7 +8638,7 @@
 </p:sld>
 </file>
 
-<file path=ppt/slides/slide13.xml><?xml version="1.0" encoding="utf-8"?>
+<file path=ppt/slides/slide14.xml><?xml version="1.0" encoding="utf-8"?>
 <p:sld xmlns:p="http://schemas.openxmlformats.org/presentationml/2006/main" xmlns:a="http://schemas.openxmlformats.org/drawingml/2006/main" xmlns:r="http://schemas.openxmlformats.org/officeDocument/2006/relationships">
   <p:cSld>
     <p:bg>
@@ -6872,276 +8977,6 @@
                 <a:latin typeface="Canva Sans"/>
               </a:rPr>
               <a:t>Display the Cat Image</a:t>
-            </a:r>
-          </a:p>
-        </p:txBody>
-      </p:sp>
-    </p:spTree>
-  </p:cSld>
-  <p:clrMapOvr>
-    <a:masterClrMapping/>
-  </p:clrMapOvr>
-</p:sld>
-</file>
-
-<file path=ppt/slides/slide14.xml><?xml version="1.0" encoding="utf-8"?>
-<p:sld xmlns:p="http://schemas.openxmlformats.org/presentationml/2006/main" xmlns:a="http://schemas.openxmlformats.org/drawingml/2006/main" xmlns:r="http://schemas.openxmlformats.org/officeDocument/2006/relationships">
-  <p:cSld>
-    <p:bg>
-      <p:bgPr>
-        <a:solidFill>
-          <a:srgbClr val="FCECFD"/>
-        </a:solidFill>
-      </p:bgPr>
-    </p:bg>
-    <p:spTree>
-      <p:nvGrpSpPr>
-        <p:cNvPr id="1" name=""/>
-        <p:cNvGrpSpPr/>
-        <p:nvPr/>
-      </p:nvGrpSpPr>
-      <p:grpSpPr>
-        <a:xfrm>
-          <a:off x="0" y="0"/>
-          <a:ext cx="0" cy="0"/>
-          <a:chOff x="0" y="0"/>
-          <a:chExt cx="0" cy="0"/>
-        </a:xfrm>
-      </p:grpSpPr>
-      <p:grpSp>
-        <p:nvGrpSpPr>
-          <p:cNvPr name="Group 2" id="2"/>
-          <p:cNvGrpSpPr/>
-          <p:nvPr/>
-        </p:nvGrpSpPr>
-        <p:grpSpPr>
-          <a:xfrm rot="0">
-            <a:off x="-3004701" y="-1258527"/>
-            <a:ext cx="24703087" cy="12398368"/>
-            <a:chOff x="0" y="0"/>
-            <a:chExt cx="32937450" cy="16531157"/>
-          </a:xfrm>
-        </p:grpSpPr>
-        <p:sp>
-          <p:nvSpPr>
-            <p:cNvPr name="Freeform 3" id="3"/>
-            <p:cNvSpPr/>
-            <p:nvPr/>
-          </p:nvSpPr>
-          <p:spPr>
-            <a:xfrm flipH="false" flipV="false" rot="0">
-              <a:off x="0" y="0"/>
-              <a:ext cx="16531157" cy="16531157"/>
-            </a:xfrm>
-            <a:custGeom>
-              <a:avLst/>
-              <a:gdLst/>
-              <a:ahLst/>
-              <a:cxnLst/>
-              <a:rect r="r" b="b" t="t" l="l"/>
-              <a:pathLst>
-                <a:path h="16531157" w="16531157">
-                  <a:moveTo>
-                    <a:pt x="0" y="0"/>
-                  </a:moveTo>
-                  <a:lnTo>
-                    <a:pt x="16531157" y="0"/>
-                  </a:lnTo>
-                  <a:lnTo>
-                    <a:pt x="16531157" y="16531157"/>
-                  </a:lnTo>
-                  <a:lnTo>
-                    <a:pt x="0" y="16531157"/>
-                  </a:lnTo>
-                  <a:lnTo>
-                    <a:pt x="0" y="0"/>
-                  </a:lnTo>
-                  <a:close/>
-                </a:path>
-              </a:pathLst>
-            </a:custGeom>
-            <a:blipFill>
-              <a:blip r:embed="rId2">
-                <a:alphaModFix amt="39000"/>
-                <a:extLst>
-                  <a:ext uri="{96DAC541-7B7A-43D3-8B79-37D633B846F1}">
-                    <asvg:svgBlip xmlns:asvg="http://schemas.microsoft.com/office/drawing/2016/SVG/main" r:embed="rId3"/>
-                  </a:ext>
-                </a:extLst>
-              </a:blip>
-              <a:stretch>
-                <a:fillRect l="0" t="0" r="0" b="0"/>
-              </a:stretch>
-            </a:blipFill>
-          </p:spPr>
-        </p:sp>
-        <p:sp>
-          <p:nvSpPr>
-            <p:cNvPr name="Freeform 4" id="4"/>
-            <p:cNvSpPr/>
-            <p:nvPr/>
-          </p:nvSpPr>
-          <p:spPr>
-            <a:xfrm flipH="false" flipV="false" rot="0">
-              <a:off x="16531157" y="0"/>
-              <a:ext cx="16406292" cy="16531157"/>
-            </a:xfrm>
-            <a:custGeom>
-              <a:avLst/>
-              <a:gdLst/>
-              <a:ahLst/>
-              <a:cxnLst/>
-              <a:rect r="r" b="b" t="t" l="l"/>
-              <a:pathLst>
-                <a:path h="16531157" w="16406292">
-                  <a:moveTo>
-                    <a:pt x="0" y="0"/>
-                  </a:moveTo>
-                  <a:lnTo>
-                    <a:pt x="16406293" y="0"/>
-                  </a:lnTo>
-                  <a:lnTo>
-                    <a:pt x="16406293" y="16531157"/>
-                  </a:lnTo>
-                  <a:lnTo>
-                    <a:pt x="0" y="16531157"/>
-                  </a:lnTo>
-                  <a:lnTo>
-                    <a:pt x="0" y="0"/>
-                  </a:lnTo>
-                  <a:close/>
-                </a:path>
-              </a:pathLst>
-            </a:custGeom>
-            <a:blipFill>
-              <a:blip r:embed="rId2">
-                <a:alphaModFix amt="39000"/>
-                <a:extLst>
-                  <a:ext uri="{96DAC541-7B7A-43D3-8B79-37D633B846F1}">
-                    <asvg:svgBlip xmlns:asvg="http://schemas.microsoft.com/office/drawing/2016/SVG/main" r:embed="rId3"/>
-                  </a:ext>
-                </a:extLst>
-              </a:blip>
-              <a:stretch>
-                <a:fillRect l="-761" t="0" r="0" b="0"/>
-              </a:stretch>
-            </a:blipFill>
-          </p:spPr>
-        </p:sp>
-      </p:grpSp>
-      <p:sp>
-        <p:nvSpPr>
-          <p:cNvPr name="TextBox 5" id="5"/>
-          <p:cNvSpPr txBox="true"/>
-          <p:nvPr/>
-        </p:nvSpPr>
-        <p:spPr>
-          <a:xfrm rot="0">
-            <a:off x="7392701" y="2506385"/>
-            <a:ext cx="2798140" cy="1728159"/>
-          </a:xfrm>
-          <a:prstGeom prst="rect">
-            <a:avLst/>
-          </a:prstGeom>
-        </p:spPr>
-        <p:txBody>
-          <a:bodyPr anchor="t" rtlCol="false" tIns="0" lIns="0" bIns="0" rIns="0">
-            <a:spAutoFit/>
-          </a:bodyPr>
-          <a:lstStyle/>
-          <a:p>
-            <a:pPr algn="ctr">
-              <a:lnSpc>
-                <a:spcPts val="14196"/>
-              </a:lnSpc>
-            </a:pPr>
-            <a:r>
-              <a:rPr lang="en-US" sz="10140">
-                <a:solidFill>
-                  <a:srgbClr val="000000"/>
-                </a:solidFill>
-                <a:latin typeface="Canva Sans Bold"/>
-              </a:rPr>
-              <a:t>Visit</a:t>
-            </a:r>
-          </a:p>
-        </p:txBody>
-      </p:sp>
-      <p:sp>
-        <p:nvSpPr>
-          <p:cNvPr name="TextBox 6" id="6"/>
-          <p:cNvSpPr txBox="true"/>
-          <p:nvPr/>
-        </p:nvSpPr>
-        <p:spPr>
-          <a:xfrm rot="0">
-            <a:off x="-602582" y="4845407"/>
-            <a:ext cx="19493164" cy="854075"/>
-          </a:xfrm>
-          <a:prstGeom prst="rect">
-            <a:avLst/>
-          </a:prstGeom>
-        </p:spPr>
-        <p:txBody>
-          <a:bodyPr anchor="t" rtlCol="false" tIns="0" lIns="0" bIns="0" rIns="0">
-            <a:spAutoFit/>
-          </a:bodyPr>
-          <a:lstStyle/>
-          <a:p>
-            <a:pPr algn="ctr">
-              <a:lnSpc>
-                <a:spcPts val="6999"/>
-              </a:lnSpc>
-              <a:spcBef>
-                <a:spcPct val="0"/>
-              </a:spcBef>
-            </a:pPr>
-            <a:r>
-              <a:rPr lang="en-US" sz="4999">
-                <a:solidFill>
-                  <a:srgbClr val="000000"/>
-                </a:solidFill>
-                <a:latin typeface="Canva Sans"/>
-              </a:rPr>
-              <a:t>https://github.com/Sushants-Git/Hackout-APIs</a:t>
-            </a:r>
-          </a:p>
-        </p:txBody>
-      </p:sp>
-      <p:sp>
-        <p:nvSpPr>
-          <p:cNvPr name="TextBox 7" id="7"/>
-          <p:cNvSpPr txBox="true"/>
-          <p:nvPr/>
-        </p:nvSpPr>
-        <p:spPr>
-          <a:xfrm rot="0">
-            <a:off x="6418633" y="6299557"/>
-            <a:ext cx="4746278" cy="863600"/>
-          </a:xfrm>
-          <a:prstGeom prst="rect">
-            <a:avLst/>
-          </a:prstGeom>
-        </p:spPr>
-        <p:txBody>
-          <a:bodyPr anchor="t" rtlCol="false" tIns="0" lIns="0" bIns="0" rIns="0">
-            <a:spAutoFit/>
-          </a:bodyPr>
-          <a:lstStyle/>
-          <a:p>
-            <a:pPr algn="ctr">
-              <a:lnSpc>
-                <a:spcPts val="7000"/>
-              </a:lnSpc>
-            </a:pPr>
-            <a:r>
-              <a:rPr lang="en-US" sz="5000">
-                <a:solidFill>
-                  <a:srgbClr val="000000"/>
-                </a:solidFill>
-                <a:latin typeface="Canva Sans Bold"/>
-              </a:rPr>
-              <a:t>Link in the chat</a:t>
             </a:r>
           </a:p>
         </p:txBody>
@@ -7307,6 +9142,276 @@
         </p:nvSpPr>
         <p:spPr>
           <a:xfrm rot="0">
+            <a:off x="7392701" y="2506385"/>
+            <a:ext cx="2798140" cy="1728159"/>
+          </a:xfrm>
+          <a:prstGeom prst="rect">
+            <a:avLst/>
+          </a:prstGeom>
+        </p:spPr>
+        <p:txBody>
+          <a:bodyPr anchor="t" rtlCol="false" tIns="0" lIns="0" bIns="0" rIns="0">
+            <a:spAutoFit/>
+          </a:bodyPr>
+          <a:lstStyle/>
+          <a:p>
+            <a:pPr algn="ctr">
+              <a:lnSpc>
+                <a:spcPts val="14196"/>
+              </a:lnSpc>
+            </a:pPr>
+            <a:r>
+              <a:rPr lang="en-US" sz="10140">
+                <a:solidFill>
+                  <a:srgbClr val="000000"/>
+                </a:solidFill>
+                <a:latin typeface="Canva Sans Bold"/>
+              </a:rPr>
+              <a:t>Visit</a:t>
+            </a:r>
+          </a:p>
+        </p:txBody>
+      </p:sp>
+      <p:sp>
+        <p:nvSpPr>
+          <p:cNvPr name="TextBox 6" id="6"/>
+          <p:cNvSpPr txBox="true"/>
+          <p:nvPr/>
+        </p:nvSpPr>
+        <p:spPr>
+          <a:xfrm rot="0">
+            <a:off x="-602582" y="4845407"/>
+            <a:ext cx="19493164" cy="854075"/>
+          </a:xfrm>
+          <a:prstGeom prst="rect">
+            <a:avLst/>
+          </a:prstGeom>
+        </p:spPr>
+        <p:txBody>
+          <a:bodyPr anchor="t" rtlCol="false" tIns="0" lIns="0" bIns="0" rIns="0">
+            <a:spAutoFit/>
+          </a:bodyPr>
+          <a:lstStyle/>
+          <a:p>
+            <a:pPr algn="ctr">
+              <a:lnSpc>
+                <a:spcPts val="6999"/>
+              </a:lnSpc>
+              <a:spcBef>
+                <a:spcPct val="0"/>
+              </a:spcBef>
+            </a:pPr>
+            <a:r>
+              <a:rPr lang="en-US" sz="4999">
+                <a:solidFill>
+                  <a:srgbClr val="000000"/>
+                </a:solidFill>
+                <a:latin typeface="Canva Sans"/>
+              </a:rPr>
+              <a:t>https://github.com/Sushants-Git/Hackout-APIs</a:t>
+            </a:r>
+          </a:p>
+        </p:txBody>
+      </p:sp>
+      <p:sp>
+        <p:nvSpPr>
+          <p:cNvPr name="TextBox 7" id="7"/>
+          <p:cNvSpPr txBox="true"/>
+          <p:nvPr/>
+        </p:nvSpPr>
+        <p:spPr>
+          <a:xfrm rot="0">
+            <a:off x="6418633" y="6299557"/>
+            <a:ext cx="4746278" cy="863600"/>
+          </a:xfrm>
+          <a:prstGeom prst="rect">
+            <a:avLst/>
+          </a:prstGeom>
+        </p:spPr>
+        <p:txBody>
+          <a:bodyPr anchor="t" rtlCol="false" tIns="0" lIns="0" bIns="0" rIns="0">
+            <a:spAutoFit/>
+          </a:bodyPr>
+          <a:lstStyle/>
+          <a:p>
+            <a:pPr algn="ctr">
+              <a:lnSpc>
+                <a:spcPts val="7000"/>
+              </a:lnSpc>
+            </a:pPr>
+            <a:r>
+              <a:rPr lang="en-US" sz="5000">
+                <a:solidFill>
+                  <a:srgbClr val="000000"/>
+                </a:solidFill>
+                <a:latin typeface="Canva Sans Bold"/>
+              </a:rPr>
+              <a:t>Link in the chat</a:t>
+            </a:r>
+          </a:p>
+        </p:txBody>
+      </p:sp>
+    </p:spTree>
+  </p:cSld>
+  <p:clrMapOvr>
+    <a:masterClrMapping/>
+  </p:clrMapOvr>
+</p:sld>
+</file>
+
+<file path=ppt/slides/slide16.xml><?xml version="1.0" encoding="utf-8"?>
+<p:sld xmlns:p="http://schemas.openxmlformats.org/presentationml/2006/main" xmlns:a="http://schemas.openxmlformats.org/drawingml/2006/main" xmlns:r="http://schemas.openxmlformats.org/officeDocument/2006/relationships">
+  <p:cSld>
+    <p:bg>
+      <p:bgPr>
+        <a:solidFill>
+          <a:srgbClr val="FCECFD"/>
+        </a:solidFill>
+      </p:bgPr>
+    </p:bg>
+    <p:spTree>
+      <p:nvGrpSpPr>
+        <p:cNvPr id="1" name=""/>
+        <p:cNvGrpSpPr/>
+        <p:nvPr/>
+      </p:nvGrpSpPr>
+      <p:grpSpPr>
+        <a:xfrm>
+          <a:off x="0" y="0"/>
+          <a:ext cx="0" cy="0"/>
+          <a:chOff x="0" y="0"/>
+          <a:chExt cx="0" cy="0"/>
+        </a:xfrm>
+      </p:grpSpPr>
+      <p:grpSp>
+        <p:nvGrpSpPr>
+          <p:cNvPr name="Group 2" id="2"/>
+          <p:cNvGrpSpPr/>
+          <p:nvPr/>
+        </p:nvGrpSpPr>
+        <p:grpSpPr>
+          <a:xfrm rot="0">
+            <a:off x="-3004701" y="-1258527"/>
+            <a:ext cx="24703087" cy="12398368"/>
+            <a:chOff x="0" y="0"/>
+            <a:chExt cx="32937450" cy="16531157"/>
+          </a:xfrm>
+        </p:grpSpPr>
+        <p:sp>
+          <p:nvSpPr>
+            <p:cNvPr name="Freeform 3" id="3"/>
+            <p:cNvSpPr/>
+            <p:nvPr/>
+          </p:nvSpPr>
+          <p:spPr>
+            <a:xfrm flipH="false" flipV="false" rot="0">
+              <a:off x="0" y="0"/>
+              <a:ext cx="16531157" cy="16531157"/>
+            </a:xfrm>
+            <a:custGeom>
+              <a:avLst/>
+              <a:gdLst/>
+              <a:ahLst/>
+              <a:cxnLst/>
+              <a:rect r="r" b="b" t="t" l="l"/>
+              <a:pathLst>
+                <a:path h="16531157" w="16531157">
+                  <a:moveTo>
+                    <a:pt x="0" y="0"/>
+                  </a:moveTo>
+                  <a:lnTo>
+                    <a:pt x="16531157" y="0"/>
+                  </a:lnTo>
+                  <a:lnTo>
+                    <a:pt x="16531157" y="16531157"/>
+                  </a:lnTo>
+                  <a:lnTo>
+                    <a:pt x="0" y="16531157"/>
+                  </a:lnTo>
+                  <a:lnTo>
+                    <a:pt x="0" y="0"/>
+                  </a:lnTo>
+                  <a:close/>
+                </a:path>
+              </a:pathLst>
+            </a:custGeom>
+            <a:blipFill>
+              <a:blip r:embed="rId2">
+                <a:alphaModFix amt="39000"/>
+                <a:extLst>
+                  <a:ext uri="{96DAC541-7B7A-43D3-8B79-37D633B846F1}">
+                    <asvg:svgBlip xmlns:asvg="http://schemas.microsoft.com/office/drawing/2016/SVG/main" r:embed="rId3"/>
+                  </a:ext>
+                </a:extLst>
+              </a:blip>
+              <a:stretch>
+                <a:fillRect l="0" t="0" r="0" b="0"/>
+              </a:stretch>
+            </a:blipFill>
+          </p:spPr>
+        </p:sp>
+        <p:sp>
+          <p:nvSpPr>
+            <p:cNvPr name="Freeform 4" id="4"/>
+            <p:cNvSpPr/>
+            <p:nvPr/>
+          </p:nvSpPr>
+          <p:spPr>
+            <a:xfrm flipH="false" flipV="false" rot="0">
+              <a:off x="16531157" y="0"/>
+              <a:ext cx="16406292" cy="16531157"/>
+            </a:xfrm>
+            <a:custGeom>
+              <a:avLst/>
+              <a:gdLst/>
+              <a:ahLst/>
+              <a:cxnLst/>
+              <a:rect r="r" b="b" t="t" l="l"/>
+              <a:pathLst>
+                <a:path h="16531157" w="16406292">
+                  <a:moveTo>
+                    <a:pt x="0" y="0"/>
+                  </a:moveTo>
+                  <a:lnTo>
+                    <a:pt x="16406293" y="0"/>
+                  </a:lnTo>
+                  <a:lnTo>
+                    <a:pt x="16406293" y="16531157"/>
+                  </a:lnTo>
+                  <a:lnTo>
+                    <a:pt x="0" y="16531157"/>
+                  </a:lnTo>
+                  <a:lnTo>
+                    <a:pt x="0" y="0"/>
+                  </a:lnTo>
+                  <a:close/>
+                </a:path>
+              </a:pathLst>
+            </a:custGeom>
+            <a:blipFill>
+              <a:blip r:embed="rId2">
+                <a:alphaModFix amt="39000"/>
+                <a:extLst>
+                  <a:ext uri="{96DAC541-7B7A-43D3-8B79-37D633B846F1}">
+                    <asvg:svgBlip xmlns:asvg="http://schemas.microsoft.com/office/drawing/2016/SVG/main" r:embed="rId3"/>
+                  </a:ext>
+                </a:extLst>
+              </a:blip>
+              <a:stretch>
+                <a:fillRect l="-761" t="0" r="0" b="0"/>
+              </a:stretch>
+            </a:blipFill>
+          </p:spPr>
+        </p:sp>
+      </p:grpSp>
+      <p:sp>
+        <p:nvSpPr>
+          <p:cNvPr name="TextBox 5" id="5"/>
+          <p:cNvSpPr txBox="true"/>
+          <p:nvPr/>
+        </p:nvSpPr>
+        <p:spPr>
+          <a:xfrm rot="0">
             <a:off x="2728679" y="2941536"/>
             <a:ext cx="13236327" cy="1566544"/>
           </a:xfrm>
@@ -7383,7 +9488,7 @@
 </p:sld>
 </file>
 
-<file path=ppt/slides/slide16.xml><?xml version="1.0" encoding="utf-8"?>
+<file path=ppt/slides/slide17.xml><?xml version="1.0" encoding="utf-8"?>
 <p:sld xmlns:p="http://schemas.openxmlformats.org/presentationml/2006/main" xmlns:a="http://schemas.openxmlformats.org/drawingml/2006/main" xmlns:r="http://schemas.openxmlformats.org/officeDocument/2006/relationships">
   <p:cSld>
     <p:bg>
@@ -13999,6 +16104,404 @@
           <a:chExt cx="0" cy="0"/>
         </a:xfrm>
       </p:grpSpPr>
+      <p:sp>
+        <p:nvSpPr>
+          <p:cNvPr name="Freeform 2" id="2"/>
+          <p:cNvSpPr/>
+          <p:nvPr/>
+        </p:nvSpPr>
+        <p:spPr>
+          <a:xfrm flipH="false" flipV="false" rot="0">
+            <a:off x="6485751" y="2751795"/>
+            <a:ext cx="5316499" cy="5316499"/>
+          </a:xfrm>
+          <a:custGeom>
+            <a:avLst/>
+            <a:gdLst/>
+            <a:ahLst/>
+            <a:cxnLst/>
+            <a:rect r="r" b="b" t="t" l="l"/>
+            <a:pathLst>
+              <a:path h="5316499" w="5316499">
+                <a:moveTo>
+                  <a:pt x="0" y="0"/>
+                </a:moveTo>
+                <a:lnTo>
+                  <a:pt x="5316498" y="0"/>
+                </a:lnTo>
+                <a:lnTo>
+                  <a:pt x="5316498" y="5316499"/>
+                </a:lnTo>
+                <a:lnTo>
+                  <a:pt x="0" y="5316499"/>
+                </a:lnTo>
+                <a:lnTo>
+                  <a:pt x="0" y="0"/>
+                </a:lnTo>
+                <a:close/>
+              </a:path>
+            </a:pathLst>
+          </a:custGeom>
+          <a:blipFill>
+            <a:blip r:embed="rId2"/>
+            <a:stretch>
+              <a:fillRect l="0" t="0" r="0" b="0"/>
+            </a:stretch>
+          </a:blipFill>
+        </p:spPr>
+      </p:sp>
+      <p:sp>
+        <p:nvSpPr>
+          <p:cNvPr name="Freeform 3" id="3"/>
+          <p:cNvSpPr/>
+          <p:nvPr/>
+        </p:nvSpPr>
+        <p:spPr>
+          <a:xfrm flipH="false" flipV="false" rot="0">
+            <a:off x="12314757" y="2485251"/>
+            <a:ext cx="5664933" cy="5664933"/>
+          </a:xfrm>
+          <a:custGeom>
+            <a:avLst/>
+            <a:gdLst/>
+            <a:ahLst/>
+            <a:cxnLst/>
+            <a:rect r="r" b="b" t="t" l="l"/>
+            <a:pathLst>
+              <a:path h="5664933" w="5664933">
+                <a:moveTo>
+                  <a:pt x="0" y="0"/>
+                </a:moveTo>
+                <a:lnTo>
+                  <a:pt x="5664933" y="0"/>
+                </a:lnTo>
+                <a:lnTo>
+                  <a:pt x="5664933" y="5664932"/>
+                </a:lnTo>
+                <a:lnTo>
+                  <a:pt x="0" y="5664932"/>
+                </a:lnTo>
+                <a:lnTo>
+                  <a:pt x="0" y="0"/>
+                </a:lnTo>
+                <a:close/>
+              </a:path>
+            </a:pathLst>
+          </a:custGeom>
+          <a:blipFill>
+            <a:blip r:embed="rId3"/>
+            <a:stretch>
+              <a:fillRect l="0" t="0" r="0" b="0"/>
+            </a:stretch>
+          </a:blipFill>
+        </p:spPr>
+      </p:sp>
+      <p:sp>
+        <p:nvSpPr>
+          <p:cNvPr name="Freeform 4" id="4"/>
+          <p:cNvSpPr/>
+          <p:nvPr/>
+        </p:nvSpPr>
+        <p:spPr>
+          <a:xfrm flipH="false" flipV="false" rot="0">
+            <a:off x="729835" y="2934302"/>
+            <a:ext cx="4951485" cy="4951485"/>
+          </a:xfrm>
+          <a:custGeom>
+            <a:avLst/>
+            <a:gdLst/>
+            <a:ahLst/>
+            <a:cxnLst/>
+            <a:rect r="r" b="b" t="t" l="l"/>
+            <a:pathLst>
+              <a:path h="4951485" w="4951485">
+                <a:moveTo>
+                  <a:pt x="0" y="0"/>
+                </a:moveTo>
+                <a:lnTo>
+                  <a:pt x="4951485" y="0"/>
+                </a:lnTo>
+                <a:lnTo>
+                  <a:pt x="4951485" y="4951485"/>
+                </a:lnTo>
+                <a:lnTo>
+                  <a:pt x="0" y="4951485"/>
+                </a:lnTo>
+                <a:lnTo>
+                  <a:pt x="0" y="0"/>
+                </a:lnTo>
+                <a:close/>
+              </a:path>
+            </a:pathLst>
+          </a:custGeom>
+          <a:blipFill>
+            <a:blip r:embed="rId4"/>
+            <a:stretch>
+              <a:fillRect l="0" t="0" r="0" b="0"/>
+            </a:stretch>
+          </a:blipFill>
+        </p:spPr>
+      </p:sp>
+      <p:sp>
+        <p:nvSpPr>
+          <p:cNvPr name="TextBox 5" id="5"/>
+          <p:cNvSpPr txBox="true"/>
+          <p:nvPr/>
+        </p:nvSpPr>
+        <p:spPr>
+          <a:xfrm rot="0">
+            <a:off x="7760228" y="1623591"/>
+            <a:ext cx="2767544" cy="880110"/>
+          </a:xfrm>
+          <a:prstGeom prst="rect">
+            <a:avLst/>
+          </a:prstGeom>
+        </p:spPr>
+        <p:txBody>
+          <a:bodyPr anchor="t" rtlCol="false" tIns="0" lIns="0" bIns="0" rIns="0">
+            <a:spAutoFit/>
+          </a:bodyPr>
+          <a:lstStyle/>
+          <a:p>
+            <a:pPr algn="ctr">
+              <a:lnSpc>
+                <a:spcPts val="7139"/>
+              </a:lnSpc>
+            </a:pPr>
+            <a:r>
+              <a:rPr lang="en-US" sz="5100">
+                <a:solidFill>
+                  <a:srgbClr val="000000"/>
+                </a:solidFill>
+                <a:latin typeface="Canva Sans Bold"/>
+              </a:rPr>
+              <a:t>WAITER</a:t>
+            </a:r>
+          </a:p>
+        </p:txBody>
+      </p:sp>
+      <p:sp>
+        <p:nvSpPr>
+          <p:cNvPr name="TextBox 6" id="6"/>
+          <p:cNvSpPr txBox="true"/>
+          <p:nvPr/>
+        </p:nvSpPr>
+        <p:spPr>
+          <a:xfrm rot="0">
+            <a:off x="2108758" y="1623591"/>
+            <a:ext cx="1502063" cy="880110"/>
+          </a:xfrm>
+          <a:prstGeom prst="rect">
+            <a:avLst/>
+          </a:prstGeom>
+        </p:spPr>
+        <p:txBody>
+          <a:bodyPr anchor="t" rtlCol="false" tIns="0" lIns="0" bIns="0" rIns="0">
+            <a:spAutoFit/>
+          </a:bodyPr>
+          <a:lstStyle/>
+          <a:p>
+            <a:pPr algn="ctr">
+              <a:lnSpc>
+                <a:spcPts val="7139"/>
+              </a:lnSpc>
+            </a:pPr>
+            <a:r>
+              <a:rPr lang="en-US" sz="5100">
+                <a:solidFill>
+                  <a:srgbClr val="000000"/>
+                </a:solidFill>
+                <a:latin typeface="Canva Sans Bold"/>
+              </a:rPr>
+              <a:t>YOU</a:t>
+            </a:r>
+          </a:p>
+        </p:txBody>
+      </p:sp>
+      <p:sp>
+        <p:nvSpPr>
+          <p:cNvPr name="TextBox 7" id="7"/>
+          <p:cNvSpPr txBox="true"/>
+          <p:nvPr/>
+        </p:nvSpPr>
+        <p:spPr>
+          <a:xfrm rot="0">
+            <a:off x="13593291" y="1623591"/>
+            <a:ext cx="3107865" cy="880110"/>
+          </a:xfrm>
+          <a:prstGeom prst="rect">
+            <a:avLst/>
+          </a:prstGeom>
+        </p:spPr>
+        <p:txBody>
+          <a:bodyPr anchor="t" rtlCol="false" tIns="0" lIns="0" bIns="0" rIns="0">
+            <a:spAutoFit/>
+          </a:bodyPr>
+          <a:lstStyle/>
+          <a:p>
+            <a:pPr algn="ctr">
+              <a:lnSpc>
+                <a:spcPts val="7139"/>
+              </a:lnSpc>
+            </a:pPr>
+            <a:r>
+              <a:rPr lang="en-US" sz="5100">
+                <a:solidFill>
+                  <a:srgbClr val="000000"/>
+                </a:solidFill>
+                <a:latin typeface="Canva Sans Bold"/>
+              </a:rPr>
+              <a:t>KITCHEN</a:t>
+            </a:r>
+          </a:p>
+        </p:txBody>
+      </p:sp>
+      <p:sp>
+        <p:nvSpPr>
+          <p:cNvPr name="TextBox 8" id="8"/>
+          <p:cNvSpPr txBox="true"/>
+          <p:nvPr/>
+        </p:nvSpPr>
+        <p:spPr>
+          <a:xfrm rot="0">
+            <a:off x="7451579" y="8211169"/>
+            <a:ext cx="3774359" cy="880110"/>
+          </a:xfrm>
+          <a:prstGeom prst="rect">
+            <a:avLst/>
+          </a:prstGeom>
+        </p:spPr>
+        <p:txBody>
+          <a:bodyPr anchor="t" rtlCol="false" tIns="0" lIns="0" bIns="0" rIns="0">
+            <a:spAutoFit/>
+          </a:bodyPr>
+          <a:lstStyle/>
+          <a:p>
+            <a:pPr algn="ctr">
+              <a:lnSpc>
+                <a:spcPts val="7139"/>
+              </a:lnSpc>
+            </a:pPr>
+            <a:r>
+              <a:rPr lang="en-US" sz="5100">
+                <a:solidFill>
+                  <a:srgbClr val="000000"/>
+                </a:solidFill>
+                <a:latin typeface="Canva Sans Bold"/>
+              </a:rPr>
+              <a:t>INTERFACE</a:t>
+            </a:r>
+          </a:p>
+        </p:txBody>
+      </p:sp>
+      <p:sp>
+        <p:nvSpPr>
+          <p:cNvPr name="TextBox 9" id="9"/>
+          <p:cNvSpPr txBox="true"/>
+          <p:nvPr/>
+        </p:nvSpPr>
+        <p:spPr>
+          <a:xfrm rot="0">
+            <a:off x="1590078" y="8211169"/>
+            <a:ext cx="2539425" cy="880110"/>
+          </a:xfrm>
+          <a:prstGeom prst="rect">
+            <a:avLst/>
+          </a:prstGeom>
+        </p:spPr>
+        <p:txBody>
+          <a:bodyPr anchor="t" rtlCol="false" tIns="0" lIns="0" bIns="0" rIns="0">
+            <a:spAutoFit/>
+          </a:bodyPr>
+          <a:lstStyle/>
+          <a:p>
+            <a:pPr algn="ctr">
+              <a:lnSpc>
+                <a:spcPts val="7139"/>
+              </a:lnSpc>
+            </a:pPr>
+            <a:r>
+              <a:rPr lang="en-US" sz="5100">
+                <a:solidFill>
+                  <a:srgbClr val="000000"/>
+                </a:solidFill>
+                <a:latin typeface="Canva Sans Bold"/>
+              </a:rPr>
+              <a:t>CLIENT</a:t>
+            </a:r>
+          </a:p>
+        </p:txBody>
+      </p:sp>
+      <p:sp>
+        <p:nvSpPr>
+          <p:cNvPr name="TextBox 10" id="10"/>
+          <p:cNvSpPr txBox="true"/>
+          <p:nvPr/>
+        </p:nvSpPr>
+        <p:spPr>
+          <a:xfrm rot="0">
+            <a:off x="13593291" y="8211169"/>
+            <a:ext cx="3107865" cy="880110"/>
+          </a:xfrm>
+          <a:prstGeom prst="rect">
+            <a:avLst/>
+          </a:prstGeom>
+        </p:spPr>
+        <p:txBody>
+          <a:bodyPr anchor="t" rtlCol="false" tIns="0" lIns="0" bIns="0" rIns="0">
+            <a:spAutoFit/>
+          </a:bodyPr>
+          <a:lstStyle/>
+          <a:p>
+            <a:pPr algn="ctr">
+              <a:lnSpc>
+                <a:spcPts val="7139"/>
+              </a:lnSpc>
+            </a:pPr>
+            <a:r>
+              <a:rPr lang="en-US" sz="5100">
+                <a:solidFill>
+                  <a:srgbClr val="000000"/>
+                </a:solidFill>
+                <a:latin typeface="Canva Sans Bold"/>
+              </a:rPr>
+              <a:t>SERVER</a:t>
+            </a:r>
+          </a:p>
+        </p:txBody>
+      </p:sp>
+    </p:spTree>
+  </p:cSld>
+  <p:clrMapOvr>
+    <a:masterClrMapping/>
+  </p:clrMapOvr>
+</p:sld>
+</file>
+
+<file path=ppt/slides/slide9.xml><?xml version="1.0" encoding="utf-8"?>
+<p:sld xmlns:p="http://schemas.openxmlformats.org/presentationml/2006/main" xmlns:a="http://schemas.openxmlformats.org/drawingml/2006/main" xmlns:r="http://schemas.openxmlformats.org/officeDocument/2006/relationships">
+  <p:cSld>
+    <p:bg>
+      <p:bgPr>
+        <a:solidFill>
+          <a:srgbClr val="B289F8"/>
+        </a:solidFill>
+      </p:bgPr>
+    </p:bg>
+    <p:spTree>
+      <p:nvGrpSpPr>
+        <p:cNvPr id="1" name=""/>
+        <p:cNvGrpSpPr/>
+        <p:nvPr/>
+      </p:nvGrpSpPr>
+      <p:grpSpPr>
+        <a:xfrm>
+          <a:off x="0" y="0"/>
+          <a:ext cx="0" cy="0"/>
+          <a:chOff x="0" y="0"/>
+          <a:chExt cx="0" cy="0"/>
+        </a:xfrm>
+      </p:grpSpPr>
       <p:grpSp>
         <p:nvGrpSpPr>
           <p:cNvPr name="Group 2" id="2"/>
@@ -14655,2110 +17158,6 @@
             </a:stretch>
           </a:blipFill>
         </p:spPr>
-      </p:sp>
-    </p:spTree>
-  </p:cSld>
-  <p:clrMapOvr>
-    <a:masterClrMapping/>
-  </p:clrMapOvr>
-</p:sld>
-</file>
-
-<file path=ppt/slides/slide9.xml><?xml version="1.0" encoding="utf-8"?>
-<p:sld xmlns:p="http://schemas.openxmlformats.org/presentationml/2006/main" xmlns:a="http://schemas.openxmlformats.org/drawingml/2006/main" xmlns:r="http://schemas.openxmlformats.org/officeDocument/2006/relationships">
-  <p:cSld>
-    <p:bg>
-      <p:bgPr>
-        <a:solidFill>
-          <a:srgbClr val="B1EF42"/>
-        </a:solidFill>
-      </p:bgPr>
-    </p:bg>
-    <p:spTree>
-      <p:nvGrpSpPr>
-        <p:cNvPr id="1" name=""/>
-        <p:cNvGrpSpPr/>
-        <p:nvPr/>
-      </p:nvGrpSpPr>
-      <p:grpSpPr>
-        <a:xfrm>
-          <a:off x="0" y="0"/>
-          <a:ext cx="0" cy="0"/>
-          <a:chOff x="0" y="0"/>
-          <a:chExt cx="0" cy="0"/>
-        </a:xfrm>
-      </p:grpSpPr>
-      <p:grpSp>
-        <p:nvGrpSpPr>
-          <p:cNvPr name="Group 2" id="2"/>
-          <p:cNvGrpSpPr/>
-          <p:nvPr/>
-        </p:nvGrpSpPr>
-        <p:grpSpPr>
-          <a:xfrm rot="0">
-            <a:off x="-3207544" y="-1393571"/>
-            <a:ext cx="24703087" cy="12398368"/>
-            <a:chOff x="0" y="0"/>
-            <a:chExt cx="32937450" cy="16531157"/>
-          </a:xfrm>
-        </p:grpSpPr>
-        <p:sp>
-          <p:nvSpPr>
-            <p:cNvPr name="Freeform 3" id="3"/>
-            <p:cNvSpPr/>
-            <p:nvPr/>
-          </p:nvSpPr>
-          <p:spPr>
-            <a:xfrm flipH="false" flipV="false" rot="0">
-              <a:off x="0" y="0"/>
-              <a:ext cx="16531157" cy="16531157"/>
-            </a:xfrm>
-            <a:custGeom>
-              <a:avLst/>
-              <a:gdLst/>
-              <a:ahLst/>
-              <a:cxnLst/>
-              <a:rect r="r" b="b" t="t" l="l"/>
-              <a:pathLst>
-                <a:path h="16531157" w="16531157">
-                  <a:moveTo>
-                    <a:pt x="0" y="0"/>
-                  </a:moveTo>
-                  <a:lnTo>
-                    <a:pt x="16531157" y="0"/>
-                  </a:lnTo>
-                  <a:lnTo>
-                    <a:pt x="16531157" y="16531157"/>
-                  </a:lnTo>
-                  <a:lnTo>
-                    <a:pt x="0" y="16531157"/>
-                  </a:lnTo>
-                  <a:lnTo>
-                    <a:pt x="0" y="0"/>
-                  </a:lnTo>
-                  <a:close/>
-                </a:path>
-              </a:pathLst>
-            </a:custGeom>
-            <a:blipFill>
-              <a:blip r:embed="rId2">
-                <a:alphaModFix amt="39000"/>
-                <a:extLst>
-                  <a:ext uri="{96DAC541-7B7A-43D3-8B79-37D633B846F1}">
-                    <asvg:svgBlip xmlns:asvg="http://schemas.microsoft.com/office/drawing/2016/SVG/main" r:embed="rId3"/>
-                  </a:ext>
-                </a:extLst>
-              </a:blip>
-              <a:stretch>
-                <a:fillRect l="0" t="0" r="0" b="0"/>
-              </a:stretch>
-            </a:blipFill>
-          </p:spPr>
-        </p:sp>
-        <p:sp>
-          <p:nvSpPr>
-            <p:cNvPr name="Freeform 4" id="4"/>
-            <p:cNvSpPr/>
-            <p:nvPr/>
-          </p:nvSpPr>
-          <p:spPr>
-            <a:xfrm flipH="false" flipV="false" rot="0">
-              <a:off x="16531157" y="0"/>
-              <a:ext cx="16406292" cy="16531157"/>
-            </a:xfrm>
-            <a:custGeom>
-              <a:avLst/>
-              <a:gdLst/>
-              <a:ahLst/>
-              <a:cxnLst/>
-              <a:rect r="r" b="b" t="t" l="l"/>
-              <a:pathLst>
-                <a:path h="16531157" w="16406292">
-                  <a:moveTo>
-                    <a:pt x="0" y="0"/>
-                  </a:moveTo>
-                  <a:lnTo>
-                    <a:pt x="16406293" y="0"/>
-                  </a:lnTo>
-                  <a:lnTo>
-                    <a:pt x="16406293" y="16531157"/>
-                  </a:lnTo>
-                  <a:lnTo>
-                    <a:pt x="0" y="16531157"/>
-                  </a:lnTo>
-                  <a:lnTo>
-                    <a:pt x="0" y="0"/>
-                  </a:lnTo>
-                  <a:close/>
-                </a:path>
-              </a:pathLst>
-            </a:custGeom>
-            <a:blipFill>
-              <a:blip r:embed="rId2">
-                <a:alphaModFix amt="39000"/>
-                <a:extLst>
-                  <a:ext uri="{96DAC541-7B7A-43D3-8B79-37D633B846F1}">
-                    <asvg:svgBlip xmlns:asvg="http://schemas.microsoft.com/office/drawing/2016/SVG/main" r:embed="rId3"/>
-                  </a:ext>
-                </a:extLst>
-              </a:blip>
-              <a:stretch>
-                <a:fillRect l="-761" t="0" r="0" b="0"/>
-              </a:stretch>
-            </a:blipFill>
-          </p:spPr>
-        </p:sp>
-      </p:grpSp>
-      <p:sp>
-        <p:nvSpPr>
-          <p:cNvPr name="Freeform 5" id="5"/>
-          <p:cNvSpPr/>
-          <p:nvPr/>
-        </p:nvSpPr>
-        <p:spPr>
-          <a:xfrm flipH="false" flipV="false" rot="0">
-            <a:off x="-794204" y="7813288"/>
-            <a:ext cx="3645807" cy="1995251"/>
-          </a:xfrm>
-          <a:custGeom>
-            <a:avLst/>
-            <a:gdLst/>
-            <a:ahLst/>
-            <a:cxnLst/>
-            <a:rect r="r" b="b" t="t" l="l"/>
-            <a:pathLst>
-              <a:path h="1995251" w="3645807">
-                <a:moveTo>
-                  <a:pt x="0" y="0"/>
-                </a:moveTo>
-                <a:lnTo>
-                  <a:pt x="3645808" y="0"/>
-                </a:lnTo>
-                <a:lnTo>
-                  <a:pt x="3645808" y="1995251"/>
-                </a:lnTo>
-                <a:lnTo>
-                  <a:pt x="0" y="1995251"/>
-                </a:lnTo>
-                <a:lnTo>
-                  <a:pt x="0" y="0"/>
-                </a:lnTo>
-                <a:close/>
-              </a:path>
-            </a:pathLst>
-          </a:custGeom>
-          <a:blipFill>
-            <a:blip r:embed="rId4">
-              <a:extLst>
-                <a:ext uri="{96DAC541-7B7A-43D3-8B79-37D633B846F1}">
-                  <asvg:svgBlip xmlns:asvg="http://schemas.microsoft.com/office/drawing/2016/SVG/main" r:embed="rId5"/>
-                </a:ext>
-              </a:extLst>
-            </a:blip>
-            <a:stretch>
-              <a:fillRect l="0" t="0" r="0" b="0"/>
-            </a:stretch>
-          </a:blipFill>
-        </p:spPr>
-      </p:sp>
-      <p:grpSp>
-        <p:nvGrpSpPr>
-          <p:cNvPr name="Group 6" id="6"/>
-          <p:cNvGrpSpPr/>
-          <p:nvPr/>
-        </p:nvGrpSpPr>
-        <p:grpSpPr>
-          <a:xfrm rot="0">
-            <a:off x="-1104337" y="-1236076"/>
-            <a:ext cx="3086100" cy="3086100"/>
-            <a:chOff x="0" y="0"/>
-            <a:chExt cx="812800" cy="812800"/>
-          </a:xfrm>
-        </p:grpSpPr>
-        <p:sp>
-          <p:nvSpPr>
-            <p:cNvPr name="Freeform 7" id="7"/>
-            <p:cNvSpPr/>
-            <p:nvPr/>
-          </p:nvSpPr>
-          <p:spPr>
-            <a:xfrm flipH="false" flipV="false" rot="0">
-              <a:off x="1813" y="0"/>
-              <a:ext cx="809173" cy="812800"/>
-            </a:xfrm>
-            <a:custGeom>
-              <a:avLst/>
-              <a:gdLst/>
-              <a:ahLst/>
-              <a:cxnLst/>
-              <a:rect r="r" b="b" t="t" l="l"/>
-              <a:pathLst>
-                <a:path h="812800" w="809173">
-                  <a:moveTo>
-                    <a:pt x="404587" y="0"/>
-                  </a:moveTo>
-                  <a:cubicBezTo>
-                    <a:pt x="628326" y="1001"/>
-                    <a:pt x="809174" y="182659"/>
-                    <a:pt x="809174" y="406400"/>
-                  </a:cubicBezTo>
-                  <a:cubicBezTo>
-                    <a:pt x="809174" y="630141"/>
-                    <a:pt x="628326" y="811799"/>
-                    <a:pt x="404587" y="812800"/>
-                  </a:cubicBezTo>
-                  <a:cubicBezTo>
-                    <a:pt x="180848" y="811799"/>
-                    <a:pt x="0" y="630141"/>
-                    <a:pt x="0" y="406400"/>
-                  </a:cubicBezTo>
-                  <a:cubicBezTo>
-                    <a:pt x="0" y="182659"/>
-                    <a:pt x="180848" y="1001"/>
-                    <a:pt x="404587" y="0"/>
-                  </a:cubicBezTo>
-                  <a:close/>
-                </a:path>
-              </a:pathLst>
-            </a:custGeom>
-            <a:solidFill>
-              <a:srgbClr val="F58235"/>
-            </a:solidFill>
-            <a:ln w="66675">
-              <a:solidFill>
-                <a:srgbClr val="242425"/>
-              </a:solidFill>
-            </a:ln>
-          </p:spPr>
-        </p:sp>
-        <p:sp>
-          <p:nvSpPr>
-            <p:cNvPr name="TextBox 8" id="8"/>
-            <p:cNvSpPr txBox="true"/>
-            <p:nvPr/>
-          </p:nvSpPr>
-          <p:spPr>
-            <a:xfrm>
-              <a:off x="76200" y="38100"/>
-              <a:ext cx="660400" cy="698500"/>
-            </a:xfrm>
-            <a:prstGeom prst="rect">
-              <a:avLst/>
-            </a:prstGeom>
-          </p:spPr>
-          <p:txBody>
-            <a:bodyPr anchor="ctr" rtlCol="false" tIns="50800" lIns="50800" bIns="50800" rIns="50800"/>
-            <a:lstStyle/>
-            <a:p>
-              <a:pPr algn="ctr">
-                <a:lnSpc>
-                  <a:spcPts val="2659"/>
-                </a:lnSpc>
-              </a:pPr>
-            </a:p>
-          </p:txBody>
-        </p:sp>
-      </p:grpSp>
-      <p:sp>
-        <p:nvSpPr>
-          <p:cNvPr name="Freeform 9" id="9"/>
-          <p:cNvSpPr/>
-          <p:nvPr/>
-        </p:nvSpPr>
-        <p:spPr>
-          <a:xfrm flipH="false" flipV="false" rot="0">
-            <a:off x="212239" y="99622"/>
-            <a:ext cx="2487551" cy="2487551"/>
-          </a:xfrm>
-          <a:custGeom>
-            <a:avLst/>
-            <a:gdLst/>
-            <a:ahLst/>
-            <a:cxnLst/>
-            <a:rect r="r" b="b" t="t" l="l"/>
-            <a:pathLst>
-              <a:path h="2487551" w="2487551">
-                <a:moveTo>
-                  <a:pt x="0" y="0"/>
-                </a:moveTo>
-                <a:lnTo>
-                  <a:pt x="2487551" y="0"/>
-                </a:lnTo>
-                <a:lnTo>
-                  <a:pt x="2487551" y="2487552"/>
-                </a:lnTo>
-                <a:lnTo>
-                  <a:pt x="0" y="2487552"/>
-                </a:lnTo>
-                <a:lnTo>
-                  <a:pt x="0" y="0"/>
-                </a:lnTo>
-                <a:close/>
-              </a:path>
-            </a:pathLst>
-          </a:custGeom>
-          <a:blipFill>
-            <a:blip r:embed="rId6">
-              <a:extLst>
-                <a:ext uri="{96DAC541-7B7A-43D3-8B79-37D633B846F1}">
-                  <asvg:svgBlip xmlns:asvg="http://schemas.microsoft.com/office/drawing/2016/SVG/main" r:embed="rId7"/>
-                </a:ext>
-              </a:extLst>
-            </a:blip>
-            <a:stretch>
-              <a:fillRect l="0" t="0" r="0" b="0"/>
-            </a:stretch>
-          </a:blipFill>
-        </p:spPr>
-      </p:sp>
-      <p:grpSp>
-        <p:nvGrpSpPr>
-          <p:cNvPr name="Group 10" id="10"/>
-          <p:cNvGrpSpPr/>
-          <p:nvPr/>
-        </p:nvGrpSpPr>
-        <p:grpSpPr>
-          <a:xfrm rot="0">
-            <a:off x="1417515" y="1754060"/>
-            <a:ext cx="9671376" cy="7235427"/>
-            <a:chOff x="0" y="0"/>
-            <a:chExt cx="2547194" cy="1905627"/>
-          </a:xfrm>
-        </p:grpSpPr>
-        <p:sp>
-          <p:nvSpPr>
-            <p:cNvPr name="Freeform 11" id="11"/>
-            <p:cNvSpPr/>
-            <p:nvPr/>
-          </p:nvSpPr>
-          <p:spPr>
-            <a:xfrm flipH="false" flipV="false" rot="0">
-              <a:off x="0" y="0"/>
-              <a:ext cx="2547194" cy="1905627"/>
-            </a:xfrm>
-            <a:custGeom>
-              <a:avLst/>
-              <a:gdLst/>
-              <a:ahLst/>
-              <a:cxnLst/>
-              <a:rect r="r" b="b" t="t" l="l"/>
-              <a:pathLst>
-                <a:path h="1905627" w="2547194">
-                  <a:moveTo>
-                    <a:pt x="0" y="0"/>
-                  </a:moveTo>
-                  <a:lnTo>
-                    <a:pt x="2547194" y="0"/>
-                  </a:lnTo>
-                  <a:lnTo>
-                    <a:pt x="2547194" y="1905627"/>
-                  </a:lnTo>
-                  <a:lnTo>
-                    <a:pt x="0" y="1905627"/>
-                  </a:lnTo>
-                  <a:close/>
-                </a:path>
-              </a:pathLst>
-            </a:custGeom>
-            <a:solidFill>
-              <a:srgbClr val="FFFFFF"/>
-            </a:solidFill>
-            <a:ln w="76200">
-              <a:solidFill>
-                <a:srgbClr val="242425"/>
-              </a:solidFill>
-            </a:ln>
-          </p:spPr>
-        </p:sp>
-        <p:sp>
-          <p:nvSpPr>
-            <p:cNvPr name="TextBox 12" id="12"/>
-            <p:cNvSpPr txBox="true"/>
-            <p:nvPr/>
-          </p:nvSpPr>
-          <p:spPr>
-            <a:xfrm>
-              <a:off x="0" y="-38100"/>
-              <a:ext cx="812800" cy="850900"/>
-            </a:xfrm>
-            <a:prstGeom prst="rect">
-              <a:avLst/>
-            </a:prstGeom>
-          </p:spPr>
-          <p:txBody>
-            <a:bodyPr anchor="ctr" rtlCol="false" tIns="50800" lIns="50800" bIns="50800" rIns="50800"/>
-            <a:lstStyle/>
-            <a:p>
-              <a:pPr algn="ctr">
-                <a:lnSpc>
-                  <a:spcPts val="2659"/>
-                </a:lnSpc>
-                <a:spcBef>
-                  <a:spcPct val="0"/>
-                </a:spcBef>
-              </a:pPr>
-            </a:p>
-          </p:txBody>
-        </p:sp>
-      </p:grpSp>
-      <p:grpSp>
-        <p:nvGrpSpPr>
-          <p:cNvPr name="Group 13" id="13"/>
-          <p:cNvGrpSpPr/>
-          <p:nvPr/>
-        </p:nvGrpSpPr>
-        <p:grpSpPr>
-          <a:xfrm rot="0">
-            <a:off x="1417515" y="1343398"/>
-            <a:ext cx="9671376" cy="821324"/>
-            <a:chOff x="0" y="0"/>
-            <a:chExt cx="2547194" cy="216316"/>
-          </a:xfrm>
-        </p:grpSpPr>
-        <p:sp>
-          <p:nvSpPr>
-            <p:cNvPr name="Freeform 14" id="14"/>
-            <p:cNvSpPr/>
-            <p:nvPr/>
-          </p:nvSpPr>
-          <p:spPr>
-            <a:xfrm flipH="false" flipV="false" rot="0">
-              <a:off x="0" y="0"/>
-              <a:ext cx="2547194" cy="216316"/>
-            </a:xfrm>
-            <a:custGeom>
-              <a:avLst/>
-              <a:gdLst/>
-              <a:ahLst/>
-              <a:cxnLst/>
-              <a:rect r="r" b="b" t="t" l="l"/>
-              <a:pathLst>
-                <a:path h="216316" w="2547194">
-                  <a:moveTo>
-                    <a:pt x="0" y="0"/>
-                  </a:moveTo>
-                  <a:lnTo>
-                    <a:pt x="2547194" y="0"/>
-                  </a:lnTo>
-                  <a:lnTo>
-                    <a:pt x="2547194" y="216316"/>
-                  </a:lnTo>
-                  <a:lnTo>
-                    <a:pt x="0" y="216316"/>
-                  </a:lnTo>
-                  <a:close/>
-                </a:path>
-              </a:pathLst>
-            </a:custGeom>
-            <a:solidFill>
-              <a:srgbClr val="B289F8"/>
-            </a:solidFill>
-            <a:ln w="76200">
-              <a:solidFill>
-                <a:srgbClr val="242425"/>
-              </a:solidFill>
-            </a:ln>
-          </p:spPr>
-        </p:sp>
-        <p:sp>
-          <p:nvSpPr>
-            <p:cNvPr name="TextBox 15" id="15"/>
-            <p:cNvSpPr txBox="true"/>
-            <p:nvPr/>
-          </p:nvSpPr>
-          <p:spPr>
-            <a:xfrm>
-              <a:off x="0" y="-38100"/>
-              <a:ext cx="812800" cy="850900"/>
-            </a:xfrm>
-            <a:prstGeom prst="rect">
-              <a:avLst/>
-            </a:prstGeom>
-          </p:spPr>
-          <p:txBody>
-            <a:bodyPr anchor="ctr" rtlCol="false" tIns="50800" lIns="50800" bIns="50800" rIns="50800"/>
-            <a:lstStyle/>
-            <a:p>
-              <a:pPr algn="ctr">
-                <a:lnSpc>
-                  <a:spcPts val="2659"/>
-                </a:lnSpc>
-                <a:spcBef>
-                  <a:spcPct val="0"/>
-                </a:spcBef>
-              </a:pPr>
-            </a:p>
-          </p:txBody>
-        </p:sp>
-      </p:grpSp>
-      <p:grpSp>
-        <p:nvGrpSpPr>
-          <p:cNvPr name="Group 16" id="16"/>
-          <p:cNvGrpSpPr/>
-          <p:nvPr/>
-        </p:nvGrpSpPr>
-        <p:grpSpPr>
-          <a:xfrm rot="0">
-            <a:off x="10293547" y="1472529"/>
-            <a:ext cx="609056" cy="563062"/>
-            <a:chOff x="0" y="0"/>
-            <a:chExt cx="160410" cy="148296"/>
-          </a:xfrm>
-        </p:grpSpPr>
-        <p:sp>
-          <p:nvSpPr>
-            <p:cNvPr name="Freeform 17" id="17"/>
-            <p:cNvSpPr/>
-            <p:nvPr/>
-          </p:nvSpPr>
-          <p:spPr>
-            <a:xfrm flipH="false" flipV="false" rot="0">
-              <a:off x="0" y="0"/>
-              <a:ext cx="160410" cy="148296"/>
-            </a:xfrm>
-            <a:custGeom>
-              <a:avLst/>
-              <a:gdLst/>
-              <a:ahLst/>
-              <a:cxnLst/>
-              <a:rect r="r" b="b" t="t" l="l"/>
-              <a:pathLst>
-                <a:path h="148296" w="160410">
-                  <a:moveTo>
-                    <a:pt x="0" y="0"/>
-                  </a:moveTo>
-                  <a:lnTo>
-                    <a:pt x="160410" y="0"/>
-                  </a:lnTo>
-                  <a:lnTo>
-                    <a:pt x="160410" y="148296"/>
-                  </a:lnTo>
-                  <a:lnTo>
-                    <a:pt x="0" y="148296"/>
-                  </a:lnTo>
-                  <a:close/>
-                </a:path>
-              </a:pathLst>
-            </a:custGeom>
-            <a:solidFill>
-              <a:srgbClr val="FFFFFF"/>
-            </a:solidFill>
-            <a:ln w="76200">
-              <a:solidFill>
-                <a:srgbClr val="242425"/>
-              </a:solidFill>
-            </a:ln>
-          </p:spPr>
-        </p:sp>
-        <p:sp>
-          <p:nvSpPr>
-            <p:cNvPr name="TextBox 18" id="18"/>
-            <p:cNvSpPr txBox="true"/>
-            <p:nvPr/>
-          </p:nvSpPr>
-          <p:spPr>
-            <a:xfrm>
-              <a:off x="0" y="-38100"/>
-              <a:ext cx="812800" cy="850900"/>
-            </a:xfrm>
-            <a:prstGeom prst="rect">
-              <a:avLst/>
-            </a:prstGeom>
-          </p:spPr>
-          <p:txBody>
-            <a:bodyPr anchor="ctr" rtlCol="false" tIns="50800" lIns="50800" bIns="50800" rIns="50800"/>
-            <a:lstStyle/>
-            <a:p>
-              <a:pPr algn="ctr">
-                <a:lnSpc>
-                  <a:spcPts val="2659"/>
-                </a:lnSpc>
-                <a:spcBef>
-                  <a:spcPct val="0"/>
-                </a:spcBef>
-              </a:pPr>
-            </a:p>
-          </p:txBody>
-        </p:sp>
-      </p:grpSp>
-      <p:sp>
-        <p:nvSpPr>
-          <p:cNvPr name="Freeform 19" id="19"/>
-          <p:cNvSpPr/>
-          <p:nvPr/>
-        </p:nvSpPr>
-        <p:spPr>
-          <a:xfrm flipH="false" flipV="false" rot="0">
-            <a:off x="10437940" y="1599165"/>
-            <a:ext cx="320271" cy="309790"/>
-          </a:xfrm>
-          <a:custGeom>
-            <a:avLst/>
-            <a:gdLst/>
-            <a:ahLst/>
-            <a:cxnLst/>
-            <a:rect r="r" b="b" t="t" l="l"/>
-            <a:pathLst>
-              <a:path h="309790" w="320271">
-                <a:moveTo>
-                  <a:pt x="0" y="0"/>
-                </a:moveTo>
-                <a:lnTo>
-                  <a:pt x="320271" y="0"/>
-                </a:lnTo>
-                <a:lnTo>
-                  <a:pt x="320271" y="309790"/>
-                </a:lnTo>
-                <a:lnTo>
-                  <a:pt x="0" y="309790"/>
-                </a:lnTo>
-                <a:lnTo>
-                  <a:pt x="0" y="0"/>
-                </a:lnTo>
-                <a:close/>
-              </a:path>
-            </a:pathLst>
-          </a:custGeom>
-          <a:blipFill>
-            <a:blip r:embed="rId8">
-              <a:extLst>
-                <a:ext uri="{96DAC541-7B7A-43D3-8B79-37D633B846F1}">
-                  <asvg:svgBlip xmlns:asvg="http://schemas.microsoft.com/office/drawing/2016/SVG/main" r:embed="rId9"/>
-                </a:ext>
-              </a:extLst>
-            </a:blip>
-            <a:stretch>
-              <a:fillRect l="0" t="0" r="0" b="0"/>
-            </a:stretch>
-          </a:blipFill>
-        </p:spPr>
-      </p:sp>
-      <p:grpSp>
-        <p:nvGrpSpPr>
-          <p:cNvPr name="Group 20" id="20"/>
-          <p:cNvGrpSpPr/>
-          <p:nvPr/>
-        </p:nvGrpSpPr>
-        <p:grpSpPr>
-          <a:xfrm rot="0">
-            <a:off x="1844830" y="1819302"/>
-            <a:ext cx="258110" cy="57864"/>
-            <a:chOff x="0" y="0"/>
-            <a:chExt cx="67979" cy="15240"/>
-          </a:xfrm>
-        </p:grpSpPr>
-        <p:sp>
-          <p:nvSpPr>
-            <p:cNvPr name="Freeform 21" id="21"/>
-            <p:cNvSpPr/>
-            <p:nvPr/>
-          </p:nvSpPr>
-          <p:spPr>
-            <a:xfrm flipH="false" flipV="false" rot="0">
-              <a:off x="0" y="0"/>
-              <a:ext cx="67979" cy="15240"/>
-            </a:xfrm>
-            <a:custGeom>
-              <a:avLst/>
-              <a:gdLst/>
-              <a:ahLst/>
-              <a:cxnLst/>
-              <a:rect r="r" b="b" t="t" l="l"/>
-              <a:pathLst>
-                <a:path h="15240" w="67979">
-                  <a:moveTo>
-                    <a:pt x="7620" y="0"/>
-                  </a:moveTo>
-                  <a:lnTo>
-                    <a:pt x="60360" y="0"/>
-                  </a:lnTo>
-                  <a:cubicBezTo>
-                    <a:pt x="64568" y="0"/>
-                    <a:pt x="67979" y="3412"/>
-                    <a:pt x="67979" y="7620"/>
-                  </a:cubicBezTo>
-                  <a:lnTo>
-                    <a:pt x="67979" y="7620"/>
-                  </a:lnTo>
-                  <a:cubicBezTo>
-                    <a:pt x="67979" y="11828"/>
-                    <a:pt x="64568" y="15240"/>
-                    <a:pt x="60360" y="15240"/>
-                  </a:cubicBezTo>
-                  <a:lnTo>
-                    <a:pt x="7620" y="15240"/>
-                  </a:lnTo>
-                  <a:cubicBezTo>
-                    <a:pt x="3412" y="15240"/>
-                    <a:pt x="0" y="11828"/>
-                    <a:pt x="0" y="7620"/>
-                  </a:cubicBezTo>
-                  <a:lnTo>
-                    <a:pt x="0" y="7620"/>
-                  </a:lnTo>
-                  <a:cubicBezTo>
-                    <a:pt x="0" y="3412"/>
-                    <a:pt x="3412" y="0"/>
-                    <a:pt x="7620" y="0"/>
-                  </a:cubicBezTo>
-                  <a:close/>
-                </a:path>
-              </a:pathLst>
-            </a:custGeom>
-            <a:solidFill>
-              <a:srgbClr val="242425"/>
-            </a:solidFill>
-          </p:spPr>
-        </p:sp>
-        <p:sp>
-          <p:nvSpPr>
-            <p:cNvPr name="TextBox 22" id="22"/>
-            <p:cNvSpPr txBox="true"/>
-            <p:nvPr/>
-          </p:nvSpPr>
-          <p:spPr>
-            <a:xfrm>
-              <a:off x="0" y="-38100"/>
-              <a:ext cx="812800" cy="850900"/>
-            </a:xfrm>
-            <a:prstGeom prst="rect">
-              <a:avLst/>
-            </a:prstGeom>
-          </p:spPr>
-          <p:txBody>
-            <a:bodyPr anchor="ctr" rtlCol="false" tIns="50800" lIns="50800" bIns="50800" rIns="50800"/>
-            <a:lstStyle/>
-            <a:p>
-              <a:pPr algn="ctr">
-                <a:lnSpc>
-                  <a:spcPts val="2659"/>
-                </a:lnSpc>
-              </a:pPr>
-            </a:p>
-          </p:txBody>
-        </p:sp>
-      </p:grpSp>
-      <p:grpSp>
-        <p:nvGrpSpPr>
-          <p:cNvPr name="Group 23" id="23"/>
-          <p:cNvGrpSpPr/>
-          <p:nvPr/>
-        </p:nvGrpSpPr>
-        <p:grpSpPr>
-          <a:xfrm rot="0">
-            <a:off x="1844830" y="1725128"/>
-            <a:ext cx="258110" cy="57864"/>
-            <a:chOff x="0" y="0"/>
-            <a:chExt cx="67979" cy="15240"/>
-          </a:xfrm>
-        </p:grpSpPr>
-        <p:sp>
-          <p:nvSpPr>
-            <p:cNvPr name="Freeform 24" id="24"/>
-            <p:cNvSpPr/>
-            <p:nvPr/>
-          </p:nvSpPr>
-          <p:spPr>
-            <a:xfrm flipH="false" flipV="false" rot="0">
-              <a:off x="0" y="0"/>
-              <a:ext cx="67979" cy="15240"/>
-            </a:xfrm>
-            <a:custGeom>
-              <a:avLst/>
-              <a:gdLst/>
-              <a:ahLst/>
-              <a:cxnLst/>
-              <a:rect r="r" b="b" t="t" l="l"/>
-              <a:pathLst>
-                <a:path h="15240" w="67979">
-                  <a:moveTo>
-                    <a:pt x="7620" y="0"/>
-                  </a:moveTo>
-                  <a:lnTo>
-                    <a:pt x="60360" y="0"/>
-                  </a:lnTo>
-                  <a:cubicBezTo>
-                    <a:pt x="64568" y="0"/>
-                    <a:pt x="67979" y="3412"/>
-                    <a:pt x="67979" y="7620"/>
-                  </a:cubicBezTo>
-                  <a:lnTo>
-                    <a:pt x="67979" y="7620"/>
-                  </a:lnTo>
-                  <a:cubicBezTo>
-                    <a:pt x="67979" y="11828"/>
-                    <a:pt x="64568" y="15240"/>
-                    <a:pt x="60360" y="15240"/>
-                  </a:cubicBezTo>
-                  <a:lnTo>
-                    <a:pt x="7620" y="15240"/>
-                  </a:lnTo>
-                  <a:cubicBezTo>
-                    <a:pt x="3412" y="15240"/>
-                    <a:pt x="0" y="11828"/>
-                    <a:pt x="0" y="7620"/>
-                  </a:cubicBezTo>
-                  <a:lnTo>
-                    <a:pt x="0" y="7620"/>
-                  </a:lnTo>
-                  <a:cubicBezTo>
-                    <a:pt x="0" y="3412"/>
-                    <a:pt x="3412" y="0"/>
-                    <a:pt x="7620" y="0"/>
-                  </a:cubicBezTo>
-                  <a:close/>
-                </a:path>
-              </a:pathLst>
-            </a:custGeom>
-            <a:solidFill>
-              <a:srgbClr val="242425"/>
-            </a:solidFill>
-          </p:spPr>
-        </p:sp>
-        <p:sp>
-          <p:nvSpPr>
-            <p:cNvPr name="TextBox 25" id="25"/>
-            <p:cNvSpPr txBox="true"/>
-            <p:nvPr/>
-          </p:nvSpPr>
-          <p:spPr>
-            <a:xfrm>
-              <a:off x="0" y="-38100"/>
-              <a:ext cx="812800" cy="850900"/>
-            </a:xfrm>
-            <a:prstGeom prst="rect">
-              <a:avLst/>
-            </a:prstGeom>
-          </p:spPr>
-          <p:txBody>
-            <a:bodyPr anchor="ctr" rtlCol="false" tIns="50800" lIns="50800" bIns="50800" rIns="50800"/>
-            <a:lstStyle/>
-            <a:p>
-              <a:pPr algn="ctr">
-                <a:lnSpc>
-                  <a:spcPts val="2659"/>
-                </a:lnSpc>
-              </a:pPr>
-            </a:p>
-          </p:txBody>
-        </p:sp>
-      </p:grpSp>
-      <p:grpSp>
-        <p:nvGrpSpPr>
-          <p:cNvPr name="Group 26" id="26"/>
-          <p:cNvGrpSpPr/>
-          <p:nvPr/>
-        </p:nvGrpSpPr>
-        <p:grpSpPr>
-          <a:xfrm rot="0">
-            <a:off x="1844830" y="1629164"/>
-            <a:ext cx="258110" cy="57864"/>
-            <a:chOff x="0" y="0"/>
-            <a:chExt cx="67979" cy="15240"/>
-          </a:xfrm>
-        </p:grpSpPr>
-        <p:sp>
-          <p:nvSpPr>
-            <p:cNvPr name="Freeform 27" id="27"/>
-            <p:cNvSpPr/>
-            <p:nvPr/>
-          </p:nvSpPr>
-          <p:spPr>
-            <a:xfrm flipH="false" flipV="false" rot="0">
-              <a:off x="0" y="0"/>
-              <a:ext cx="67979" cy="15240"/>
-            </a:xfrm>
-            <a:custGeom>
-              <a:avLst/>
-              <a:gdLst/>
-              <a:ahLst/>
-              <a:cxnLst/>
-              <a:rect r="r" b="b" t="t" l="l"/>
-              <a:pathLst>
-                <a:path h="15240" w="67979">
-                  <a:moveTo>
-                    <a:pt x="7620" y="0"/>
-                  </a:moveTo>
-                  <a:lnTo>
-                    <a:pt x="60360" y="0"/>
-                  </a:lnTo>
-                  <a:cubicBezTo>
-                    <a:pt x="64568" y="0"/>
-                    <a:pt x="67979" y="3412"/>
-                    <a:pt x="67979" y="7620"/>
-                  </a:cubicBezTo>
-                  <a:lnTo>
-                    <a:pt x="67979" y="7620"/>
-                  </a:lnTo>
-                  <a:cubicBezTo>
-                    <a:pt x="67979" y="11828"/>
-                    <a:pt x="64568" y="15240"/>
-                    <a:pt x="60360" y="15240"/>
-                  </a:cubicBezTo>
-                  <a:lnTo>
-                    <a:pt x="7620" y="15240"/>
-                  </a:lnTo>
-                  <a:cubicBezTo>
-                    <a:pt x="3412" y="15240"/>
-                    <a:pt x="0" y="11828"/>
-                    <a:pt x="0" y="7620"/>
-                  </a:cubicBezTo>
-                  <a:lnTo>
-                    <a:pt x="0" y="7620"/>
-                  </a:lnTo>
-                  <a:cubicBezTo>
-                    <a:pt x="0" y="3412"/>
-                    <a:pt x="3412" y="0"/>
-                    <a:pt x="7620" y="0"/>
-                  </a:cubicBezTo>
-                  <a:close/>
-                </a:path>
-              </a:pathLst>
-            </a:custGeom>
-            <a:solidFill>
-              <a:srgbClr val="242425"/>
-            </a:solidFill>
-          </p:spPr>
-        </p:sp>
-        <p:sp>
-          <p:nvSpPr>
-            <p:cNvPr name="TextBox 28" id="28"/>
-            <p:cNvSpPr txBox="true"/>
-            <p:nvPr/>
-          </p:nvSpPr>
-          <p:spPr>
-            <a:xfrm>
-              <a:off x="0" y="-38100"/>
-              <a:ext cx="812800" cy="850900"/>
-            </a:xfrm>
-            <a:prstGeom prst="rect">
-              <a:avLst/>
-            </a:prstGeom>
-          </p:spPr>
-          <p:txBody>
-            <a:bodyPr anchor="ctr" rtlCol="false" tIns="50800" lIns="50800" bIns="50800" rIns="50800"/>
-            <a:lstStyle/>
-            <a:p>
-              <a:pPr algn="ctr">
-                <a:lnSpc>
-                  <a:spcPts val="2659"/>
-                </a:lnSpc>
-              </a:pPr>
-            </a:p>
-          </p:txBody>
-        </p:sp>
-      </p:grpSp>
-      <p:sp>
-        <p:nvSpPr>
-          <p:cNvPr name="Freeform 29" id="29"/>
-          <p:cNvSpPr/>
-          <p:nvPr/>
-        </p:nvSpPr>
-        <p:spPr>
-          <a:xfrm flipH="false" flipV="false" rot="0">
-            <a:off x="11623425" y="2788399"/>
-            <a:ext cx="5097811" cy="5345018"/>
-          </a:xfrm>
-          <a:custGeom>
-            <a:avLst/>
-            <a:gdLst/>
-            <a:ahLst/>
-            <a:cxnLst/>
-            <a:rect r="r" b="b" t="t" l="l"/>
-            <a:pathLst>
-              <a:path h="5345018" w="5097811">
-                <a:moveTo>
-                  <a:pt x="0" y="0"/>
-                </a:moveTo>
-                <a:lnTo>
-                  <a:pt x="5097812" y="0"/>
-                </a:lnTo>
-                <a:lnTo>
-                  <a:pt x="5097812" y="5345018"/>
-                </a:lnTo>
-                <a:lnTo>
-                  <a:pt x="0" y="5345018"/>
-                </a:lnTo>
-                <a:lnTo>
-                  <a:pt x="0" y="0"/>
-                </a:lnTo>
-                <a:close/>
-              </a:path>
-            </a:pathLst>
-          </a:custGeom>
-          <a:blipFill>
-            <a:blip r:embed="rId10"/>
-            <a:stretch>
-              <a:fillRect l="0" t="0" r="0" b="0"/>
-            </a:stretch>
-          </a:blipFill>
-        </p:spPr>
-      </p:sp>
-      <p:grpSp>
-        <p:nvGrpSpPr>
-          <p:cNvPr name="Group 30" id="30"/>
-          <p:cNvGrpSpPr/>
-          <p:nvPr/>
-        </p:nvGrpSpPr>
-        <p:grpSpPr>
-          <a:xfrm rot="0">
-            <a:off x="11328606" y="4840290"/>
-            <a:ext cx="5707927" cy="1125635"/>
-            <a:chOff x="0" y="0"/>
-            <a:chExt cx="1646264" cy="324652"/>
-          </a:xfrm>
-        </p:grpSpPr>
-        <p:sp>
-          <p:nvSpPr>
-            <p:cNvPr name="Freeform 31" id="31"/>
-            <p:cNvSpPr/>
-            <p:nvPr/>
-          </p:nvSpPr>
-          <p:spPr>
-            <a:xfrm flipH="false" flipV="false" rot="0">
-              <a:off x="0" y="0"/>
-              <a:ext cx="1646264" cy="324652"/>
-            </a:xfrm>
-            <a:custGeom>
-              <a:avLst/>
-              <a:gdLst/>
-              <a:ahLst/>
-              <a:cxnLst/>
-              <a:rect r="r" b="b" t="t" l="l"/>
-              <a:pathLst>
-                <a:path h="324652" w="1646264">
-                  <a:moveTo>
-                    <a:pt x="37978" y="0"/>
-                  </a:moveTo>
-                  <a:lnTo>
-                    <a:pt x="1608286" y="0"/>
-                  </a:lnTo>
-                  <a:cubicBezTo>
-                    <a:pt x="1618358" y="0"/>
-                    <a:pt x="1628018" y="4001"/>
-                    <a:pt x="1635141" y="11123"/>
-                  </a:cubicBezTo>
-                  <a:cubicBezTo>
-                    <a:pt x="1642263" y="18246"/>
-                    <a:pt x="1646264" y="27905"/>
-                    <a:pt x="1646264" y="37978"/>
-                  </a:cubicBezTo>
-                  <a:lnTo>
-                    <a:pt x="1646264" y="286675"/>
-                  </a:lnTo>
-                  <a:cubicBezTo>
-                    <a:pt x="1646264" y="296747"/>
-                    <a:pt x="1642263" y="306407"/>
-                    <a:pt x="1635141" y="313529"/>
-                  </a:cubicBezTo>
-                  <a:cubicBezTo>
-                    <a:pt x="1628018" y="320651"/>
-                    <a:pt x="1618358" y="324652"/>
-                    <a:pt x="1608286" y="324652"/>
-                  </a:cubicBezTo>
-                  <a:lnTo>
-                    <a:pt x="37978" y="324652"/>
-                  </a:lnTo>
-                  <a:cubicBezTo>
-                    <a:pt x="27905" y="324652"/>
-                    <a:pt x="18246" y="320651"/>
-                    <a:pt x="11123" y="313529"/>
-                  </a:cubicBezTo>
-                  <a:cubicBezTo>
-                    <a:pt x="4001" y="306407"/>
-                    <a:pt x="0" y="296747"/>
-                    <a:pt x="0" y="286675"/>
-                  </a:cubicBezTo>
-                  <a:lnTo>
-                    <a:pt x="0" y="37978"/>
-                  </a:lnTo>
-                  <a:cubicBezTo>
-                    <a:pt x="0" y="27905"/>
-                    <a:pt x="4001" y="18246"/>
-                    <a:pt x="11123" y="11123"/>
-                  </a:cubicBezTo>
-                  <a:cubicBezTo>
-                    <a:pt x="18246" y="4001"/>
-                    <a:pt x="27905" y="0"/>
-                    <a:pt x="37978" y="0"/>
-                  </a:cubicBezTo>
-                  <a:close/>
-                </a:path>
-              </a:pathLst>
-            </a:custGeom>
-            <a:solidFill>
-              <a:srgbClr val="B289F8"/>
-            </a:solidFill>
-            <a:ln w="76200">
-              <a:solidFill>
-                <a:srgbClr val="242425"/>
-              </a:solidFill>
-            </a:ln>
-          </p:spPr>
-        </p:sp>
-        <p:sp>
-          <p:nvSpPr>
-            <p:cNvPr name="TextBox 32" id="32"/>
-            <p:cNvSpPr txBox="true"/>
-            <p:nvPr/>
-          </p:nvSpPr>
-          <p:spPr>
-            <a:xfrm>
-              <a:off x="0" y="-38100"/>
-              <a:ext cx="812800" cy="850900"/>
-            </a:xfrm>
-            <a:prstGeom prst="rect">
-              <a:avLst/>
-            </a:prstGeom>
-          </p:spPr>
-          <p:txBody>
-            <a:bodyPr anchor="ctr" rtlCol="false" tIns="50800" lIns="50800" bIns="50800" rIns="50800"/>
-            <a:lstStyle/>
-            <a:p>
-              <a:pPr algn="ctr">
-                <a:lnSpc>
-                  <a:spcPts val="2659"/>
-                </a:lnSpc>
-              </a:pPr>
-            </a:p>
-          </p:txBody>
-        </p:sp>
-      </p:grpSp>
-      <p:grpSp>
-        <p:nvGrpSpPr>
-          <p:cNvPr name="Group 33" id="33"/>
-          <p:cNvGrpSpPr/>
-          <p:nvPr/>
-        </p:nvGrpSpPr>
-        <p:grpSpPr>
-          <a:xfrm rot="0">
-            <a:off x="14956774" y="8989487"/>
-            <a:ext cx="537626" cy="537626"/>
-            <a:chOff x="0" y="0"/>
-            <a:chExt cx="812800" cy="812800"/>
-          </a:xfrm>
-        </p:grpSpPr>
-        <p:sp>
-          <p:nvSpPr>
-            <p:cNvPr name="Freeform 34" id="34"/>
-            <p:cNvSpPr/>
-            <p:nvPr/>
-          </p:nvSpPr>
-          <p:spPr>
-            <a:xfrm flipH="false" flipV="false" rot="0">
-              <a:off x="1813" y="0"/>
-              <a:ext cx="809173" cy="812800"/>
-            </a:xfrm>
-            <a:custGeom>
-              <a:avLst/>
-              <a:gdLst/>
-              <a:ahLst/>
-              <a:cxnLst/>
-              <a:rect r="r" b="b" t="t" l="l"/>
-              <a:pathLst>
-                <a:path h="812800" w="809173">
-                  <a:moveTo>
-                    <a:pt x="404587" y="0"/>
-                  </a:moveTo>
-                  <a:cubicBezTo>
-                    <a:pt x="628326" y="1001"/>
-                    <a:pt x="809174" y="182659"/>
-                    <a:pt x="809174" y="406400"/>
-                  </a:cubicBezTo>
-                  <a:cubicBezTo>
-                    <a:pt x="809174" y="630141"/>
-                    <a:pt x="628326" y="811799"/>
-                    <a:pt x="404587" y="812800"/>
-                  </a:cubicBezTo>
-                  <a:cubicBezTo>
-                    <a:pt x="180848" y="811799"/>
-                    <a:pt x="0" y="630141"/>
-                    <a:pt x="0" y="406400"/>
-                  </a:cubicBezTo>
-                  <a:cubicBezTo>
-                    <a:pt x="0" y="182659"/>
-                    <a:pt x="180848" y="1001"/>
-                    <a:pt x="404587" y="0"/>
-                  </a:cubicBezTo>
-                  <a:close/>
-                </a:path>
-              </a:pathLst>
-            </a:custGeom>
-            <a:solidFill>
-              <a:srgbClr val="B1EF42"/>
-            </a:solidFill>
-            <a:ln w="76200">
-              <a:solidFill>
-                <a:srgbClr val="242425"/>
-              </a:solidFill>
-            </a:ln>
-          </p:spPr>
-        </p:sp>
-        <p:sp>
-          <p:nvSpPr>
-            <p:cNvPr name="TextBox 35" id="35"/>
-            <p:cNvSpPr txBox="true"/>
-            <p:nvPr/>
-          </p:nvSpPr>
-          <p:spPr>
-            <a:xfrm>
-              <a:off x="76200" y="38100"/>
-              <a:ext cx="660400" cy="698500"/>
-            </a:xfrm>
-            <a:prstGeom prst="rect">
-              <a:avLst/>
-            </a:prstGeom>
-          </p:spPr>
-          <p:txBody>
-            <a:bodyPr anchor="ctr" rtlCol="false" tIns="50800" lIns="50800" bIns="50800" rIns="50800"/>
-            <a:lstStyle/>
-            <a:p>
-              <a:pPr algn="ctr">
-                <a:lnSpc>
-                  <a:spcPts val="2659"/>
-                </a:lnSpc>
-              </a:pPr>
-            </a:p>
-          </p:txBody>
-        </p:sp>
-      </p:grpSp>
-      <p:grpSp>
-        <p:nvGrpSpPr>
-          <p:cNvPr name="Group 36" id="36"/>
-          <p:cNvGrpSpPr/>
-          <p:nvPr/>
-        </p:nvGrpSpPr>
-        <p:grpSpPr>
-          <a:xfrm rot="0">
-            <a:off x="15665147" y="8989487"/>
-            <a:ext cx="537626" cy="537626"/>
-            <a:chOff x="0" y="0"/>
-            <a:chExt cx="812800" cy="812800"/>
-          </a:xfrm>
-        </p:grpSpPr>
-        <p:sp>
-          <p:nvSpPr>
-            <p:cNvPr name="Freeform 37" id="37"/>
-            <p:cNvSpPr/>
-            <p:nvPr/>
-          </p:nvSpPr>
-          <p:spPr>
-            <a:xfrm flipH="false" flipV="false" rot="0">
-              <a:off x="1813" y="0"/>
-              <a:ext cx="809173" cy="812800"/>
-            </a:xfrm>
-            <a:custGeom>
-              <a:avLst/>
-              <a:gdLst/>
-              <a:ahLst/>
-              <a:cxnLst/>
-              <a:rect r="r" b="b" t="t" l="l"/>
-              <a:pathLst>
-                <a:path h="812800" w="809173">
-                  <a:moveTo>
-                    <a:pt x="404587" y="0"/>
-                  </a:moveTo>
-                  <a:cubicBezTo>
-                    <a:pt x="628326" y="1001"/>
-                    <a:pt x="809174" y="182659"/>
-                    <a:pt x="809174" y="406400"/>
-                  </a:cubicBezTo>
-                  <a:cubicBezTo>
-                    <a:pt x="809174" y="630141"/>
-                    <a:pt x="628326" y="811799"/>
-                    <a:pt x="404587" y="812800"/>
-                  </a:cubicBezTo>
-                  <a:cubicBezTo>
-                    <a:pt x="180848" y="811799"/>
-                    <a:pt x="0" y="630141"/>
-                    <a:pt x="0" y="406400"/>
-                  </a:cubicBezTo>
-                  <a:cubicBezTo>
-                    <a:pt x="0" y="182659"/>
-                    <a:pt x="180848" y="1001"/>
-                    <a:pt x="404587" y="0"/>
-                  </a:cubicBezTo>
-                  <a:close/>
-                </a:path>
-              </a:pathLst>
-            </a:custGeom>
-            <a:solidFill>
-              <a:srgbClr val="E0FFA9"/>
-            </a:solidFill>
-            <a:ln w="76200">
-              <a:solidFill>
-                <a:srgbClr val="242425"/>
-              </a:solidFill>
-            </a:ln>
-          </p:spPr>
-        </p:sp>
-        <p:sp>
-          <p:nvSpPr>
-            <p:cNvPr name="TextBox 38" id="38"/>
-            <p:cNvSpPr txBox="true"/>
-            <p:nvPr/>
-          </p:nvSpPr>
-          <p:spPr>
-            <a:xfrm>
-              <a:off x="76200" y="38100"/>
-              <a:ext cx="660400" cy="698500"/>
-            </a:xfrm>
-            <a:prstGeom prst="rect">
-              <a:avLst/>
-            </a:prstGeom>
-          </p:spPr>
-          <p:txBody>
-            <a:bodyPr anchor="ctr" rtlCol="false" tIns="50800" lIns="50800" bIns="50800" rIns="50800"/>
-            <a:lstStyle/>
-            <a:p>
-              <a:pPr algn="ctr">
-                <a:lnSpc>
-                  <a:spcPts val="2659"/>
-                </a:lnSpc>
-              </a:pPr>
-            </a:p>
-          </p:txBody>
-        </p:sp>
-      </p:grpSp>
-      <p:grpSp>
-        <p:nvGrpSpPr>
-          <p:cNvPr name="Group 39" id="39"/>
-          <p:cNvGrpSpPr/>
-          <p:nvPr/>
-        </p:nvGrpSpPr>
-        <p:grpSpPr>
-          <a:xfrm rot="0">
-            <a:off x="16374223" y="8989487"/>
-            <a:ext cx="537626" cy="537626"/>
-            <a:chOff x="0" y="0"/>
-            <a:chExt cx="812800" cy="812800"/>
-          </a:xfrm>
-        </p:grpSpPr>
-        <p:sp>
-          <p:nvSpPr>
-            <p:cNvPr name="Freeform 40" id="40"/>
-            <p:cNvSpPr/>
-            <p:nvPr/>
-          </p:nvSpPr>
-          <p:spPr>
-            <a:xfrm flipH="false" flipV="false" rot="0">
-              <a:off x="1813" y="0"/>
-              <a:ext cx="809173" cy="812800"/>
-            </a:xfrm>
-            <a:custGeom>
-              <a:avLst/>
-              <a:gdLst/>
-              <a:ahLst/>
-              <a:cxnLst/>
-              <a:rect r="r" b="b" t="t" l="l"/>
-              <a:pathLst>
-                <a:path h="812800" w="809173">
-                  <a:moveTo>
-                    <a:pt x="404587" y="0"/>
-                  </a:moveTo>
-                  <a:cubicBezTo>
-                    <a:pt x="628326" y="1001"/>
-                    <a:pt x="809174" y="182659"/>
-                    <a:pt x="809174" y="406400"/>
-                  </a:cubicBezTo>
-                  <a:cubicBezTo>
-                    <a:pt x="809174" y="630141"/>
-                    <a:pt x="628326" y="811799"/>
-                    <a:pt x="404587" y="812800"/>
-                  </a:cubicBezTo>
-                  <a:cubicBezTo>
-                    <a:pt x="180848" y="811799"/>
-                    <a:pt x="0" y="630141"/>
-                    <a:pt x="0" y="406400"/>
-                  </a:cubicBezTo>
-                  <a:cubicBezTo>
-                    <a:pt x="0" y="182659"/>
-                    <a:pt x="180848" y="1001"/>
-                    <a:pt x="404587" y="0"/>
-                  </a:cubicBezTo>
-                  <a:close/>
-                </a:path>
-              </a:pathLst>
-            </a:custGeom>
-            <a:solidFill>
-              <a:srgbClr val="F58235"/>
-            </a:solidFill>
-            <a:ln w="76200">
-              <a:solidFill>
-                <a:srgbClr val="242425"/>
-              </a:solidFill>
-            </a:ln>
-          </p:spPr>
-        </p:sp>
-        <p:sp>
-          <p:nvSpPr>
-            <p:cNvPr name="TextBox 41" id="41"/>
-            <p:cNvSpPr txBox="true"/>
-            <p:nvPr/>
-          </p:nvSpPr>
-          <p:spPr>
-            <a:xfrm>
-              <a:off x="76200" y="38100"/>
-              <a:ext cx="660400" cy="698500"/>
-            </a:xfrm>
-            <a:prstGeom prst="rect">
-              <a:avLst/>
-            </a:prstGeom>
-          </p:spPr>
-          <p:txBody>
-            <a:bodyPr anchor="ctr" rtlCol="false" tIns="50800" lIns="50800" bIns="50800" rIns="50800"/>
-            <a:lstStyle/>
-            <a:p>
-              <a:pPr algn="ctr">
-                <a:lnSpc>
-                  <a:spcPts val="2659"/>
-                </a:lnSpc>
-              </a:pPr>
-            </a:p>
-          </p:txBody>
-        </p:sp>
-      </p:grpSp>
-      <p:sp>
-        <p:nvSpPr>
-          <p:cNvPr name="Freeform 42" id="42"/>
-          <p:cNvSpPr/>
-          <p:nvPr/>
-        </p:nvSpPr>
-        <p:spPr>
-          <a:xfrm flipH="false" flipV="false" rot="0">
-            <a:off x="16202773" y="723267"/>
-            <a:ext cx="3645807" cy="1995251"/>
-          </a:xfrm>
-          <a:custGeom>
-            <a:avLst/>
-            <a:gdLst/>
-            <a:ahLst/>
-            <a:cxnLst/>
-            <a:rect r="r" b="b" t="t" l="l"/>
-            <a:pathLst>
-              <a:path h="1995251" w="3645807">
-                <a:moveTo>
-                  <a:pt x="0" y="0"/>
-                </a:moveTo>
-                <a:lnTo>
-                  <a:pt x="3645807" y="0"/>
-                </a:lnTo>
-                <a:lnTo>
-                  <a:pt x="3645807" y="1995251"/>
-                </a:lnTo>
-                <a:lnTo>
-                  <a:pt x="0" y="1995251"/>
-                </a:lnTo>
-                <a:lnTo>
-                  <a:pt x="0" y="0"/>
-                </a:lnTo>
-                <a:close/>
-              </a:path>
-            </a:pathLst>
-          </a:custGeom>
-          <a:blipFill>
-            <a:blip r:embed="rId4">
-              <a:extLst>
-                <a:ext uri="{96DAC541-7B7A-43D3-8B79-37D633B846F1}">
-                  <asvg:svgBlip xmlns:asvg="http://schemas.microsoft.com/office/drawing/2016/SVG/main" r:embed="rId5"/>
-                </a:ext>
-              </a:extLst>
-            </a:blip>
-            <a:stretch>
-              <a:fillRect l="0" t="0" r="0" b="0"/>
-            </a:stretch>
-          </a:blipFill>
-        </p:spPr>
-      </p:sp>
-      <p:sp>
-        <p:nvSpPr>
-          <p:cNvPr name="TextBox 43" id="43"/>
-          <p:cNvSpPr txBox="true"/>
-          <p:nvPr/>
-        </p:nvSpPr>
-        <p:spPr>
-          <a:xfrm rot="0">
-            <a:off x="12141889" y="4771109"/>
-            <a:ext cx="4060884" cy="1237374"/>
-          </a:xfrm>
-          <a:prstGeom prst="rect">
-            <a:avLst/>
-          </a:prstGeom>
-        </p:spPr>
-        <p:txBody>
-          <a:bodyPr anchor="t" rtlCol="false" tIns="0" lIns="0" bIns="0" rIns="0">
-            <a:spAutoFit/>
-          </a:bodyPr>
-          <a:lstStyle/>
-          <a:p>
-            <a:pPr algn="ctr">
-              <a:lnSpc>
-                <a:spcPts val="10023"/>
-              </a:lnSpc>
-            </a:pPr>
-            <a:r>
-              <a:rPr lang="en-US" sz="7159">
-                <a:solidFill>
-                  <a:srgbClr val="FFFFFF"/>
-                </a:solidFill>
-                <a:latin typeface="Courier Prime Bold"/>
-              </a:rPr>
-              <a:t>A P I</a:t>
-            </a:r>
-          </a:p>
-        </p:txBody>
-      </p:sp>
-      <p:grpSp>
-        <p:nvGrpSpPr>
-          <p:cNvPr name="Group 44" id="44"/>
-          <p:cNvGrpSpPr/>
-          <p:nvPr/>
-        </p:nvGrpSpPr>
-        <p:grpSpPr>
-          <a:xfrm rot="0">
-            <a:off x="11088891" y="6137375"/>
-            <a:ext cx="1051928" cy="1141825"/>
-            <a:chOff x="0" y="0"/>
-            <a:chExt cx="1402570" cy="1522434"/>
-          </a:xfrm>
-        </p:grpSpPr>
-        <p:sp>
-          <p:nvSpPr>
-            <p:cNvPr name="Freeform 45" id="45"/>
-            <p:cNvSpPr/>
-            <p:nvPr/>
-          </p:nvSpPr>
-          <p:spPr>
-            <a:xfrm flipH="false" flipV="false" rot="0">
-              <a:off x="0" y="0"/>
-              <a:ext cx="1402570" cy="1522434"/>
-            </a:xfrm>
-            <a:custGeom>
-              <a:avLst/>
-              <a:gdLst/>
-              <a:ahLst/>
-              <a:cxnLst/>
-              <a:rect r="r" b="b" t="t" l="l"/>
-              <a:pathLst>
-                <a:path h="1522434" w="1402570">
-                  <a:moveTo>
-                    <a:pt x="0" y="0"/>
-                  </a:moveTo>
-                  <a:lnTo>
-                    <a:pt x="1402570" y="0"/>
-                  </a:lnTo>
-                  <a:lnTo>
-                    <a:pt x="1402570" y="1522434"/>
-                  </a:lnTo>
-                  <a:lnTo>
-                    <a:pt x="0" y="1522434"/>
-                  </a:lnTo>
-                  <a:lnTo>
-                    <a:pt x="0" y="0"/>
-                  </a:lnTo>
-                  <a:close/>
-                </a:path>
-              </a:pathLst>
-            </a:custGeom>
-            <a:blipFill>
-              <a:blip r:embed="rId11">
-                <a:extLst>
-                  <a:ext uri="{96DAC541-7B7A-43D3-8B79-37D633B846F1}">
-                    <asvg:svgBlip xmlns:asvg="http://schemas.microsoft.com/office/drawing/2016/SVG/main" r:embed="rId12"/>
-                  </a:ext>
-                </a:extLst>
-              </a:blip>
-              <a:stretch>
-                <a:fillRect l="0" t="0" r="0" b="0"/>
-              </a:stretch>
-            </a:blipFill>
-          </p:spPr>
-        </p:sp>
-        <p:sp>
-          <p:nvSpPr>
-            <p:cNvPr name="Freeform 46" id="46"/>
-            <p:cNvSpPr/>
-            <p:nvPr/>
-          </p:nvSpPr>
-          <p:spPr>
-            <a:xfrm flipH="false" flipV="false" rot="0">
-              <a:off x="129586" y="140660"/>
-              <a:ext cx="1143399" cy="1241114"/>
-            </a:xfrm>
-            <a:custGeom>
-              <a:avLst/>
-              <a:gdLst/>
-              <a:ahLst/>
-              <a:cxnLst/>
-              <a:rect r="r" b="b" t="t" l="l"/>
-              <a:pathLst>
-                <a:path h="1241114" w="1143399">
-                  <a:moveTo>
-                    <a:pt x="0" y="0"/>
-                  </a:moveTo>
-                  <a:lnTo>
-                    <a:pt x="1143398" y="0"/>
-                  </a:lnTo>
-                  <a:lnTo>
-                    <a:pt x="1143398" y="1241114"/>
-                  </a:lnTo>
-                  <a:lnTo>
-                    <a:pt x="0" y="1241114"/>
-                  </a:lnTo>
-                  <a:lnTo>
-                    <a:pt x="0" y="0"/>
-                  </a:lnTo>
-                  <a:close/>
-                </a:path>
-              </a:pathLst>
-            </a:custGeom>
-            <a:blipFill>
-              <a:blip r:embed="rId13">
-                <a:extLst>
-                  <a:ext uri="{96DAC541-7B7A-43D3-8B79-37D633B846F1}">
-                    <asvg:svgBlip xmlns:asvg="http://schemas.microsoft.com/office/drawing/2016/SVG/main" r:embed="rId14"/>
-                  </a:ext>
-                </a:extLst>
-              </a:blip>
-              <a:stretch>
-                <a:fillRect l="0" t="0" r="0" b="0"/>
-              </a:stretch>
-            </a:blipFill>
-          </p:spPr>
-        </p:sp>
-      </p:grpSp>
-      <p:grpSp>
-        <p:nvGrpSpPr>
-          <p:cNvPr name="Group 47" id="47"/>
-          <p:cNvGrpSpPr/>
-          <p:nvPr/>
-        </p:nvGrpSpPr>
-        <p:grpSpPr>
-          <a:xfrm rot="0">
-            <a:off x="16526405" y="3732843"/>
-            <a:ext cx="1020256" cy="1107448"/>
-            <a:chOff x="0" y="0"/>
-            <a:chExt cx="1360342" cy="1476597"/>
-          </a:xfrm>
-        </p:grpSpPr>
-        <p:sp>
-          <p:nvSpPr>
-            <p:cNvPr name="Freeform 48" id="48"/>
-            <p:cNvSpPr/>
-            <p:nvPr/>
-          </p:nvSpPr>
-          <p:spPr>
-            <a:xfrm flipH="false" flipV="false" rot="0">
-              <a:off x="0" y="0"/>
-              <a:ext cx="1360342" cy="1476597"/>
-            </a:xfrm>
-            <a:custGeom>
-              <a:avLst/>
-              <a:gdLst/>
-              <a:ahLst/>
-              <a:cxnLst/>
-              <a:rect r="r" b="b" t="t" l="l"/>
-              <a:pathLst>
-                <a:path h="1476597" w="1360342">
-                  <a:moveTo>
-                    <a:pt x="0" y="0"/>
-                  </a:moveTo>
-                  <a:lnTo>
-                    <a:pt x="1360342" y="0"/>
-                  </a:lnTo>
-                  <a:lnTo>
-                    <a:pt x="1360342" y="1476597"/>
-                  </a:lnTo>
-                  <a:lnTo>
-                    <a:pt x="0" y="1476597"/>
-                  </a:lnTo>
-                  <a:lnTo>
-                    <a:pt x="0" y="0"/>
-                  </a:lnTo>
-                  <a:close/>
-                </a:path>
-              </a:pathLst>
-            </a:custGeom>
-            <a:blipFill>
-              <a:blip r:embed="rId11">
-                <a:extLst>
-                  <a:ext uri="{96DAC541-7B7A-43D3-8B79-37D633B846F1}">
-                    <asvg:svgBlip xmlns:asvg="http://schemas.microsoft.com/office/drawing/2016/SVG/main" r:embed="rId12"/>
-                  </a:ext>
-                </a:extLst>
-              </a:blip>
-              <a:stretch>
-                <a:fillRect l="0" t="0" r="0" b="0"/>
-              </a:stretch>
-            </a:blipFill>
-          </p:spPr>
-        </p:sp>
-        <p:sp>
-          <p:nvSpPr>
-            <p:cNvPr name="Freeform 49" id="49"/>
-            <p:cNvSpPr/>
-            <p:nvPr/>
-          </p:nvSpPr>
-          <p:spPr>
-            <a:xfrm flipH="false" flipV="false" rot="0">
-              <a:off x="125684" y="136425"/>
-              <a:ext cx="1108974" cy="1203747"/>
-            </a:xfrm>
-            <a:custGeom>
-              <a:avLst/>
-              <a:gdLst/>
-              <a:ahLst/>
-              <a:cxnLst/>
-              <a:rect r="r" b="b" t="t" l="l"/>
-              <a:pathLst>
-                <a:path h="1203747" w="1108974">
-                  <a:moveTo>
-                    <a:pt x="0" y="0"/>
-                  </a:moveTo>
-                  <a:lnTo>
-                    <a:pt x="1108974" y="0"/>
-                  </a:lnTo>
-                  <a:lnTo>
-                    <a:pt x="1108974" y="1203747"/>
-                  </a:lnTo>
-                  <a:lnTo>
-                    <a:pt x="0" y="1203747"/>
-                  </a:lnTo>
-                  <a:lnTo>
-                    <a:pt x="0" y="0"/>
-                  </a:lnTo>
-                  <a:close/>
-                </a:path>
-              </a:pathLst>
-            </a:custGeom>
-            <a:blipFill>
-              <a:blip r:embed="rId15">
-                <a:extLst>
-                  <a:ext uri="{96DAC541-7B7A-43D3-8B79-37D633B846F1}">
-                    <asvg:svgBlip xmlns:asvg="http://schemas.microsoft.com/office/drawing/2016/SVG/main" r:embed="rId16"/>
-                  </a:ext>
-                </a:extLst>
-              </a:blip>
-              <a:stretch>
-                <a:fillRect l="0" t="0" r="0" b="0"/>
-              </a:stretch>
-            </a:blipFill>
-          </p:spPr>
-        </p:sp>
-      </p:grpSp>
-      <p:grpSp>
-        <p:nvGrpSpPr>
-          <p:cNvPr name="Group 50" id="50"/>
-          <p:cNvGrpSpPr/>
-          <p:nvPr/>
-        </p:nvGrpSpPr>
-        <p:grpSpPr>
-          <a:xfrm rot="0">
-            <a:off x="11776605" y="6882699"/>
-            <a:ext cx="730568" cy="793003"/>
-            <a:chOff x="0" y="0"/>
-            <a:chExt cx="974091" cy="1057337"/>
-          </a:xfrm>
-        </p:grpSpPr>
-        <p:sp>
-          <p:nvSpPr>
-            <p:cNvPr name="Freeform 51" id="51"/>
-            <p:cNvSpPr/>
-            <p:nvPr/>
-          </p:nvSpPr>
-          <p:spPr>
-            <a:xfrm flipH="false" flipV="false" rot="0">
-              <a:off x="0" y="0"/>
-              <a:ext cx="974091" cy="1057337"/>
-            </a:xfrm>
-            <a:custGeom>
-              <a:avLst/>
-              <a:gdLst/>
-              <a:ahLst/>
-              <a:cxnLst/>
-              <a:rect r="r" b="b" t="t" l="l"/>
-              <a:pathLst>
-                <a:path h="1057337" w="974091">
-                  <a:moveTo>
-                    <a:pt x="0" y="0"/>
-                  </a:moveTo>
-                  <a:lnTo>
-                    <a:pt x="974091" y="0"/>
-                  </a:lnTo>
-                  <a:lnTo>
-                    <a:pt x="974091" y="1057337"/>
-                  </a:lnTo>
-                  <a:lnTo>
-                    <a:pt x="0" y="1057337"/>
-                  </a:lnTo>
-                  <a:lnTo>
-                    <a:pt x="0" y="0"/>
-                  </a:lnTo>
-                  <a:close/>
-                </a:path>
-              </a:pathLst>
-            </a:custGeom>
-            <a:blipFill>
-              <a:blip r:embed="rId11">
-                <a:extLst>
-                  <a:ext uri="{96DAC541-7B7A-43D3-8B79-37D633B846F1}">
-                    <asvg:svgBlip xmlns:asvg="http://schemas.microsoft.com/office/drawing/2016/SVG/main" r:embed="rId12"/>
-                  </a:ext>
-                </a:extLst>
-              </a:blip>
-              <a:stretch>
-                <a:fillRect l="0" t="0" r="0" b="0"/>
-              </a:stretch>
-            </a:blipFill>
-          </p:spPr>
-        </p:sp>
-        <p:sp>
-          <p:nvSpPr>
-            <p:cNvPr name="Freeform 52" id="52"/>
-            <p:cNvSpPr/>
-            <p:nvPr/>
-          </p:nvSpPr>
-          <p:spPr>
-            <a:xfrm flipH="false" flipV="false" rot="0">
-              <a:off x="89998" y="97689"/>
-              <a:ext cx="794096" cy="861959"/>
-            </a:xfrm>
-            <a:custGeom>
-              <a:avLst/>
-              <a:gdLst/>
-              <a:ahLst/>
-              <a:cxnLst/>
-              <a:rect r="r" b="b" t="t" l="l"/>
-              <a:pathLst>
-                <a:path h="861959" w="794096">
-                  <a:moveTo>
-                    <a:pt x="0" y="0"/>
-                  </a:moveTo>
-                  <a:lnTo>
-                    <a:pt x="794095" y="0"/>
-                  </a:lnTo>
-                  <a:lnTo>
-                    <a:pt x="794095" y="861959"/>
-                  </a:lnTo>
-                  <a:lnTo>
-                    <a:pt x="0" y="861959"/>
-                  </a:lnTo>
-                  <a:lnTo>
-                    <a:pt x="0" y="0"/>
-                  </a:lnTo>
-                  <a:close/>
-                </a:path>
-              </a:pathLst>
-            </a:custGeom>
-            <a:blipFill>
-              <a:blip r:embed="rId15">
-                <a:extLst>
-                  <a:ext uri="{96DAC541-7B7A-43D3-8B79-37D633B846F1}">
-                    <asvg:svgBlip xmlns:asvg="http://schemas.microsoft.com/office/drawing/2016/SVG/main" r:embed="rId16"/>
-                  </a:ext>
-                </a:extLst>
-              </a:blip>
-              <a:stretch>
-                <a:fillRect l="0" t="0" r="0" b="0"/>
-              </a:stretch>
-            </a:blipFill>
-          </p:spPr>
-        </p:sp>
-      </p:grpSp>
-      <p:grpSp>
-        <p:nvGrpSpPr>
-          <p:cNvPr name="Group 53" id="53"/>
-          <p:cNvGrpSpPr/>
-          <p:nvPr/>
-        </p:nvGrpSpPr>
-        <p:grpSpPr>
-          <a:xfrm rot="0">
-            <a:off x="16202773" y="3296623"/>
-            <a:ext cx="730568" cy="793003"/>
-            <a:chOff x="0" y="0"/>
-            <a:chExt cx="974091" cy="1057337"/>
-          </a:xfrm>
-        </p:grpSpPr>
-        <p:sp>
-          <p:nvSpPr>
-            <p:cNvPr name="Freeform 54" id="54"/>
-            <p:cNvSpPr/>
-            <p:nvPr/>
-          </p:nvSpPr>
-          <p:spPr>
-            <a:xfrm flipH="false" flipV="false" rot="0">
-              <a:off x="0" y="0"/>
-              <a:ext cx="974091" cy="1057337"/>
-            </a:xfrm>
-            <a:custGeom>
-              <a:avLst/>
-              <a:gdLst/>
-              <a:ahLst/>
-              <a:cxnLst/>
-              <a:rect r="r" b="b" t="t" l="l"/>
-              <a:pathLst>
-                <a:path h="1057337" w="974091">
-                  <a:moveTo>
-                    <a:pt x="0" y="0"/>
-                  </a:moveTo>
-                  <a:lnTo>
-                    <a:pt x="974091" y="0"/>
-                  </a:lnTo>
-                  <a:lnTo>
-                    <a:pt x="974091" y="1057337"/>
-                  </a:lnTo>
-                  <a:lnTo>
-                    <a:pt x="0" y="1057337"/>
-                  </a:lnTo>
-                  <a:lnTo>
-                    <a:pt x="0" y="0"/>
-                  </a:lnTo>
-                  <a:close/>
-                </a:path>
-              </a:pathLst>
-            </a:custGeom>
-            <a:blipFill>
-              <a:blip r:embed="rId11">
-                <a:extLst>
-                  <a:ext uri="{96DAC541-7B7A-43D3-8B79-37D633B846F1}">
-                    <asvg:svgBlip xmlns:asvg="http://schemas.microsoft.com/office/drawing/2016/SVG/main" r:embed="rId12"/>
-                  </a:ext>
-                </a:extLst>
-              </a:blip>
-              <a:stretch>
-                <a:fillRect l="0" t="0" r="0" b="0"/>
-              </a:stretch>
-            </a:blipFill>
-          </p:spPr>
-        </p:sp>
-        <p:sp>
-          <p:nvSpPr>
-            <p:cNvPr name="Freeform 55" id="55"/>
-            <p:cNvSpPr/>
-            <p:nvPr/>
-          </p:nvSpPr>
-          <p:spPr>
-            <a:xfrm flipH="false" flipV="false" rot="0">
-              <a:off x="89998" y="97689"/>
-              <a:ext cx="794096" cy="861959"/>
-            </a:xfrm>
-            <a:custGeom>
-              <a:avLst/>
-              <a:gdLst/>
-              <a:ahLst/>
-              <a:cxnLst/>
-              <a:rect r="r" b="b" t="t" l="l"/>
-              <a:pathLst>
-                <a:path h="861959" w="794096">
-                  <a:moveTo>
-                    <a:pt x="0" y="0"/>
-                  </a:moveTo>
-                  <a:lnTo>
-                    <a:pt x="794095" y="0"/>
-                  </a:lnTo>
-                  <a:lnTo>
-                    <a:pt x="794095" y="861959"/>
-                  </a:lnTo>
-                  <a:lnTo>
-                    <a:pt x="0" y="861959"/>
-                  </a:lnTo>
-                  <a:lnTo>
-                    <a:pt x="0" y="0"/>
-                  </a:lnTo>
-                  <a:close/>
-                </a:path>
-              </a:pathLst>
-            </a:custGeom>
-            <a:blipFill>
-              <a:blip r:embed="rId13">
-                <a:extLst>
-                  <a:ext uri="{96DAC541-7B7A-43D3-8B79-37D633B846F1}">
-                    <asvg:svgBlip xmlns:asvg="http://schemas.microsoft.com/office/drawing/2016/SVG/main" r:embed="rId14"/>
-                  </a:ext>
-                </a:extLst>
-              </a:blip>
-              <a:stretch>
-                <a:fillRect l="0" t="0" r="0" b="0"/>
-              </a:stretch>
-            </a:blipFill>
-          </p:spPr>
-        </p:sp>
-      </p:grpSp>
-      <p:sp>
-        <p:nvSpPr>
-          <p:cNvPr name="TextBox 56" id="56"/>
-          <p:cNvSpPr txBox="true"/>
-          <p:nvPr/>
-        </p:nvSpPr>
-        <p:spPr>
-          <a:xfrm rot="0">
-            <a:off x="1757197" y="4691313"/>
-            <a:ext cx="8840879" cy="3861204"/>
-          </a:xfrm>
-          <a:prstGeom prst="rect">
-            <a:avLst/>
-          </a:prstGeom>
-        </p:spPr>
-        <p:txBody>
-          <a:bodyPr anchor="t" rtlCol="false" tIns="0" lIns="0" bIns="0" rIns="0">
-            <a:spAutoFit/>
-          </a:bodyPr>
-          <a:lstStyle/>
-          <a:p>
-            <a:pPr algn="just">
-              <a:lnSpc>
-                <a:spcPts val="7677"/>
-              </a:lnSpc>
-            </a:pPr>
-            <a:r>
-              <a:rPr lang="en-US" sz="5484">
-                <a:solidFill>
-                  <a:srgbClr val="242425"/>
-                </a:solidFill>
-                <a:latin typeface="Courier Prime Bold"/>
-              </a:rPr>
-              <a:t>An Interface that connects your program with someone else's program.</a:t>
-            </a:r>
-          </a:p>
-        </p:txBody>
-      </p:sp>
-      <p:sp>
-        <p:nvSpPr>
-          <p:cNvPr name="TextBox 57" id="57"/>
-          <p:cNvSpPr txBox="true"/>
-          <p:nvPr/>
-        </p:nvSpPr>
-        <p:spPr>
-          <a:xfrm rot="0">
-            <a:off x="1981763" y="2336172"/>
-            <a:ext cx="8920841" cy="2571605"/>
-          </a:xfrm>
-          <a:prstGeom prst="rect">
-            <a:avLst/>
-          </a:prstGeom>
-        </p:spPr>
-        <p:txBody>
-          <a:bodyPr anchor="t" rtlCol="false" tIns="0" lIns="0" bIns="0" rIns="0">
-            <a:spAutoFit/>
-          </a:bodyPr>
-          <a:lstStyle/>
-          <a:p>
-            <a:pPr>
-              <a:lnSpc>
-                <a:spcPts val="9849"/>
-              </a:lnSpc>
-            </a:pPr>
-            <a:r>
-              <a:rPr lang="en-US" sz="9849">
-                <a:solidFill>
-                  <a:srgbClr val="242425"/>
-                </a:solidFill>
-                <a:latin typeface="Courier Prime Bold"/>
-              </a:rPr>
-              <a:t>SO THEN AN API IS</a:t>
-            </a:r>
-          </a:p>
-        </p:txBody>
       </p:sp>
     </p:spTree>
   </p:cSld>
